--- a/Presentations/EC551SecondProjectPresentation.pptx
+++ b/Presentations/EC551SecondProjectPresentation.pptx
@@ -7871,7 +7871,7 @@
         <p:spPr/>
         <p:txBody>
           <a:bodyPr>
-            <a:normAutofit/>
+            <a:normAutofit lnSpcReduction="10000"/>
           </a:bodyPr>
           <a:lstStyle/>
           <a:p>
@@ -7893,7 +7893,34 @@
               </a:spcBef>
               <a:buSzPts val="1200"/>
             </a:pPr>
-            <a:endParaRPr lang="en-US" sz="1600" dirty="0"/>
+            <a:r>
+              <a:rPr lang="en-US" sz="1600" dirty="0"/>
+              <a:t>Change out button input for ADC output [11/11]</a:t>
+            </a:r>
+          </a:p>
+          <a:p>
+            <a:pPr lvl="2" indent="-406390">
+              <a:spcBef>
+                <a:spcPts val="133"/>
+              </a:spcBef>
+              <a:buSzPts val="1200"/>
+            </a:pPr>
+            <a:r>
+              <a:rPr lang="en-US" sz="1600" dirty="0"/>
+              <a:t>Start with simple threshold and maintain single step of paddle</a:t>
+            </a:r>
+          </a:p>
+          <a:p>
+            <a:pPr lvl="1" indent="-406390">
+              <a:spcBef>
+                <a:spcPts val="133"/>
+              </a:spcBef>
+              <a:buSzPts val="1200"/>
+            </a:pPr>
+            <a:r>
+              <a:rPr lang="en-US" sz="1600" dirty="0"/>
+              <a:t>Change from single step to step proportional to ADC output [11/18]</a:t>
+            </a:r>
           </a:p>
           <a:p>
             <a:pPr indent="-423323">
@@ -8405,7 +8432,7 @@
             </a:pPr>
             <a:r>
               <a:rPr lang="en-US" sz="1400" dirty="0"/>
-              <a:t>User will have two input sensors, one which will make the paddle go up and the other to make it go down.</a:t>
+              <a:t>User will have two input sensors, one which will make the paddle go left and the other to make it go right.</a:t>
             </a:r>
           </a:p>
           <a:p>
@@ -8416,7 +8443,7 @@
             </a:pPr>
             <a:r>
               <a:rPr lang="en-US" sz="1400" dirty="0"/>
-              <a:t>The harder the user presses on a given sensor, the faster the paddle will move up or down.</a:t>
+              <a:t>The harder the user presses on a given sensor, the faster the paddle will move.</a:t>
             </a:r>
           </a:p>
           <a:p>
@@ -8630,8 +8657,8 @@
         </p:blipFill>
         <p:spPr>
           <a:xfrm>
-            <a:off x="9134580" y="4555222"/>
-            <a:ext cx="2939831" cy="2000800"/>
+            <a:off x="8597134" y="4189445"/>
+            <a:ext cx="3477277" cy="2366577"/>
           </a:xfrm>
           <a:prstGeom prst="rect">
             <a:avLst/>
@@ -8957,34 +8984,6 @@
           </a:p>
         </p:txBody>
       </p:sp>
-      <p:sp>
-        <p:nvSpPr>
-          <p:cNvPr id="3" name="Text Placeholder 2">
-            <a:extLst>
-              <a:ext uri="{FF2B5EF4-FFF2-40B4-BE49-F238E27FC236}">
-                <a16:creationId xmlns:a16="http://schemas.microsoft.com/office/drawing/2014/main" id="{ECA3DEAF-101F-482D-9412-FB0B05FDDF20}"/>
-              </a:ext>
-            </a:extLst>
-          </p:cNvPr>
-          <p:cNvSpPr>
-            <a:spLocks noGrp="1"/>
-          </p:cNvSpPr>
-          <p:nvPr>
-            <p:ph type="body" idx="1"/>
-          </p:nvPr>
-        </p:nvSpPr>
-        <p:spPr/>
-        <p:txBody>
-          <a:bodyPr/>
-          <a:lstStyle/>
-          <a:p>
-            <a:r>
-              <a:rPr lang="en-US" dirty="0"/>
-              <a:t>Insert video of ADC working</a:t>
-            </a:r>
-          </a:p>
-        </p:txBody>
-      </p:sp>
       <p:pic>
         <p:nvPicPr>
           <p:cNvPr id="4" name="Picture 3">
@@ -9000,7 +8999,7 @@
           <p:nvPr/>
         </p:nvPicPr>
         <p:blipFill>
-          <a:blip r:embed="rId2"/>
+          <a:blip r:embed="rId3"/>
           <a:stretch>
             <a:fillRect/>
           </a:stretch>
@@ -9030,7 +9029,7 @@
           <p:nvPr/>
         </p:nvPicPr>
         <p:blipFill>
-          <a:blip r:embed="rId3"/>
+          <a:blip r:embed="rId4"/>
           <a:stretch>
             <a:fillRect/>
           </a:stretch>
@@ -9039,6 +9038,39 @@
           <a:xfrm>
             <a:off x="8161704" y="1510532"/>
             <a:ext cx="3408480" cy="2052418"/>
+          </a:xfrm>
+          <a:prstGeom prst="rect">
+            <a:avLst/>
+          </a:prstGeom>
+        </p:spPr>
+      </p:pic>
+      <p:pic>
+        <p:nvPicPr>
+          <p:cNvPr id="6" name="Online Media 5" title="Force Sensitive Resistor Testing on NEXYS A7 Board">
+            <a:hlinkClick r:id="" action="ppaction://media"/>
+            <a:extLst>
+              <a:ext uri="{FF2B5EF4-FFF2-40B4-BE49-F238E27FC236}">
+                <a16:creationId xmlns:a16="http://schemas.microsoft.com/office/drawing/2014/main" id="{CF3659C9-6891-56AC-0523-ED97BE34F75F}"/>
+              </a:ext>
+            </a:extLst>
+          </p:cNvPr>
+          <p:cNvPicPr>
+            <a:picLocks noRot="1" noChangeAspect="1"/>
+          </p:cNvPicPr>
+          <p:nvPr>
+            <a:videoFile r:link="rId1"/>
+          </p:nvPr>
+        </p:nvPicPr>
+        <p:blipFill>
+          <a:blip r:embed="rId5"/>
+          <a:stretch>
+            <a:fillRect/>
+          </a:stretch>
+        </p:blipFill>
+        <p:spPr>
+          <a:xfrm>
+            <a:off x="1668101" y="2730605"/>
+            <a:ext cx="5786678" cy="3269473"/>
           </a:xfrm>
           <a:prstGeom prst="rect">
             <a:avLst/>
@@ -9055,6 +9087,141 @@
   <p:clrMapOvr>
     <a:masterClrMapping/>
   </p:clrMapOvr>
+  <p:timing>
+    <p:tnLst>
+      <p:par>
+        <p:cTn id="1" dur="indefinite" restart="never" nodeType="tmRoot">
+          <p:childTnLst>
+            <p:seq concurrent="1" nextAc="seek">
+              <p:cTn id="2" dur="indefinite" nodeType="mainSeq">
+                <p:childTnLst>
+                  <p:par>
+                    <p:cTn id="3" fill="hold">
+                      <p:stCondLst>
+                        <p:cond delay="indefinite"/>
+                      </p:stCondLst>
+                      <p:childTnLst>
+                        <p:par>
+                          <p:cTn id="4" fill="hold">
+                            <p:stCondLst>
+                              <p:cond delay="0"/>
+                            </p:stCondLst>
+                            <p:childTnLst>
+                              <p:par>
+                                <p:cTn id="5" presetID="1" presetClass="mediacall" presetSubtype="0" fill="hold" nodeType="clickEffect">
+                                  <p:stCondLst>
+                                    <p:cond delay="0"/>
+                                  </p:stCondLst>
+                                  <p:childTnLst>
+                                    <p:cmd type="call" cmd="playFrom(0.0)">
+                                      <p:cBhvr>
+                                        <p:cTn id="6" dur="1" fill="hold"/>
+                                        <p:tgtEl>
+                                          <p:spTgt spid="6"/>
+                                        </p:tgtEl>
+                                      </p:cBhvr>
+                                    </p:cmd>
+                                  </p:childTnLst>
+                                </p:cTn>
+                              </p:par>
+                            </p:childTnLst>
+                          </p:cTn>
+                        </p:par>
+                      </p:childTnLst>
+                    </p:cTn>
+                  </p:par>
+                </p:childTnLst>
+              </p:cTn>
+              <p:prevCondLst>
+                <p:cond evt="onPrev" delay="0">
+                  <p:tgtEl>
+                    <p:sldTgt/>
+                  </p:tgtEl>
+                </p:cond>
+              </p:prevCondLst>
+              <p:nextCondLst>
+                <p:cond evt="onNext" delay="0">
+                  <p:tgtEl>
+                    <p:sldTgt/>
+                  </p:tgtEl>
+                </p:cond>
+              </p:nextCondLst>
+            </p:seq>
+            <p:video>
+              <p:cMediaNode vol="80000">
+                <p:cTn id="7" fill="hold" display="0">
+                  <p:stCondLst>
+                    <p:cond delay="indefinite"/>
+                  </p:stCondLst>
+                </p:cTn>
+                <p:tgtEl>
+                  <p:spTgt spid="6"/>
+                </p:tgtEl>
+              </p:cMediaNode>
+            </p:video>
+            <p:seq concurrent="1" nextAc="seek">
+              <p:cTn id="8" restart="whenNotActive" fill="hold" evtFilter="cancelBubble" nodeType="interactiveSeq">
+                <p:stCondLst>
+                  <p:cond evt="onClick" delay="0">
+                    <p:tgtEl>
+                      <p:spTgt spid="6"/>
+                    </p:tgtEl>
+                  </p:cond>
+                </p:stCondLst>
+                <p:endSync evt="end" delay="0">
+                  <p:rtn val="all"/>
+                </p:endSync>
+                <p:childTnLst>
+                  <p:par>
+                    <p:cTn id="9" fill="hold">
+                      <p:stCondLst>
+                        <p:cond delay="0"/>
+                      </p:stCondLst>
+                      <p:childTnLst>
+                        <p:par>
+                          <p:cTn id="10" fill="hold">
+                            <p:stCondLst>
+                              <p:cond delay="0"/>
+                            </p:stCondLst>
+                            <p:childTnLst>
+                              <p:par>
+                                <p:cTn id="11" presetID="2" presetClass="mediacall" presetSubtype="0" fill="hold" nodeType="clickEffect">
+                                  <p:stCondLst>
+                                    <p:cond delay="0"/>
+                                  </p:stCondLst>
+                                  <p:childTnLst>
+                                    <p:cmd type="call" cmd="togglePause">
+                                      <p:cBhvr>
+                                        <p:cTn id="12" dur="1" fill="hold"/>
+                                        <p:tgtEl>
+                                          <p:spTgt spid="6"/>
+                                        </p:tgtEl>
+                                      </p:cBhvr>
+                                    </p:cmd>
+                                  </p:childTnLst>
+                                </p:cTn>
+                              </p:par>
+                            </p:childTnLst>
+                          </p:cTn>
+                        </p:par>
+                      </p:childTnLst>
+                    </p:cTn>
+                  </p:par>
+                </p:childTnLst>
+              </p:cTn>
+              <p:nextCondLst>
+                <p:cond evt="onClick" delay="0">
+                  <p:tgtEl>
+                    <p:spTgt spid="6"/>
+                  </p:tgtEl>
+                </p:cond>
+              </p:nextCondLst>
+            </p:seq>
+          </p:childTnLst>
+        </p:cTn>
+      </p:par>
+    </p:tnLst>
+  </p:timing>
 </p:sld>
 </file>
 
@@ -9123,22 +9290,36 @@
         </p:nvSpPr>
         <p:spPr/>
         <p:txBody>
-          <a:bodyPr/>
+          <a:bodyPr>
+            <a:normAutofit/>
+          </a:bodyPr>
           <a:lstStyle/>
           <a:p>
             <a:r>
-              <a:rPr lang="en-US" dirty="0"/>
+              <a:rPr lang="en-US" sz="2400" dirty="0"/>
               <a:t>ADC code working</a:t>
             </a:r>
           </a:p>
           <a:p>
             <a:r>
-              <a:rPr lang="en-US" dirty="0"/>
+              <a:rPr lang="en-US" sz="2400" dirty="0"/>
               <a:t>Force sensitive resistors working</a:t>
             </a:r>
           </a:p>
           <a:p>
-            <a:endParaRPr lang="en-US" dirty="0"/>
+            <a:r>
+              <a:rPr lang="en-US" sz="2400" dirty="0"/>
+              <a:t>Game code works</a:t>
+            </a:r>
+          </a:p>
+          <a:p>
+            <a:r>
+              <a:rPr lang="en-US" sz="2400" dirty="0"/>
+              <a:t>Game video is displaying over VGA</a:t>
+            </a:r>
+          </a:p>
+          <a:p>
+            <a:endParaRPr lang="en-US" sz="2400" dirty="0"/>
           </a:p>
         </p:txBody>
       </p:sp>

--- a/Presentations/EC551SecondProjectPresentation.pptx
+++ b/Presentations/EC551SecondProjectPresentation.pptx
@@ -1,26 +1,26 @@
 
 <file path=ppt/presentation.xml><?xml version="1.0" encoding="utf-8"?>
-<p:presentation xmlns:a="http://schemas.openxmlformats.org/drawingml/2006/main" xmlns:r="http://schemas.openxmlformats.org/officeDocument/2006/relationships" xmlns:p="http://schemas.openxmlformats.org/presentationml/2006/main" xmlns:m="http://schemas.openxmlformats.org/officeDocument/2006/math" xmlns:a14="http://schemas.microsoft.com/office/drawing/2010/main">
+<p:presentation xmlns:a="http://schemas.openxmlformats.org/drawingml/2006/main" xmlns:r="http://schemas.openxmlformats.org/officeDocument/2006/relationships" xmlns:p="http://schemas.openxmlformats.org/presentationml/2006/main">
   <p:sldMasterIdLst>
-    <p:sldMasterId id="2147483648" r:id="rId5"/>
+    <p:sldMasterId id="2147483648" r:id="rId1"/>
   </p:sldMasterIdLst>
   <p:notesMasterIdLst>
-    <p:notesMasterId r:id="rId7"/>
+    <p:notesMasterId r:id="rId15"/>
   </p:notesMasterIdLst>
   <p:sldIdLst>
-    <p:sldId id="256" r:id="rId8"/>
-    <p:sldId id="257" r:id="rId9"/>
-    <p:sldId id="258" r:id="rId10"/>
-    <p:sldId id="259" r:id="rId11"/>
-    <p:sldId id="260" r:id="rId12"/>
-    <p:sldId id="261" r:id="rId13"/>
-    <p:sldId id="262" r:id="rId14"/>
-    <p:sldId id="263" r:id="rId15"/>
-    <p:sldId id="264" r:id="rId16"/>
-    <p:sldId id="265" r:id="rId17"/>
-    <p:sldId id="266" r:id="rId18"/>
-    <p:sldId id="267" r:id="rId19"/>
-    <p:sldId id="268" r:id="rId20"/>
+    <p:sldId id="256" r:id="rId2"/>
+    <p:sldId id="257" r:id="rId3"/>
+    <p:sldId id="258" r:id="rId4"/>
+    <p:sldId id="259" r:id="rId5"/>
+    <p:sldId id="260" r:id="rId6"/>
+    <p:sldId id="261" r:id="rId7"/>
+    <p:sldId id="262" r:id="rId8"/>
+    <p:sldId id="273" r:id="rId9"/>
+    <p:sldId id="264" r:id="rId10"/>
+    <p:sldId id="265" r:id="rId11"/>
+    <p:sldId id="266" r:id="rId12"/>
+    <p:sldId id="267" r:id="rId13"/>
+    <p:sldId id="268" r:id="rId14"/>
   </p:sldIdLst>
   <p:sldSz cx="12192000" cy="6858000"/>
   <p:notesSz cx="6858000" cy="9144000"/>
@@ -40,7 +40,7 @@
       <a:buFontTx/>
       <a:buNone/>
       <a:tabLst/>
-      <a:defRPr b="0" baseline="0" cap="none" i="0" spc="0" strike="noStrike" sz="1800" u="none" kumimoji="0" normalizeH="0">
+      <a:defRPr kumimoji="0" sz="1800" b="0" i="0" u="none" strike="noStrike" cap="none" spc="0" normalizeH="0" baseline="0">
         <a:ln>
           <a:noFill/>
         </a:ln>
@@ -66,7 +66,7 @@
       <a:buFontTx/>
       <a:buNone/>
       <a:tabLst/>
-      <a:defRPr b="0" baseline="0" cap="none" i="0" spc="0" strike="noStrike" sz="1800" u="none" kumimoji="0" normalizeH="0">
+      <a:defRPr kumimoji="0" sz="1800" b="0" i="0" u="none" strike="noStrike" cap="none" spc="0" normalizeH="0" baseline="0">
         <a:ln>
           <a:noFill/>
         </a:ln>
@@ -96,7 +96,7 @@
       <a:buFontTx/>
       <a:buNone/>
       <a:tabLst/>
-      <a:defRPr b="0" baseline="0" cap="none" i="0" spc="0" strike="noStrike" sz="1800" u="none" kumimoji="0" normalizeH="0">
+      <a:defRPr kumimoji="0" sz="1800" b="0" i="0" u="none" strike="noStrike" cap="none" spc="0" normalizeH="0" baseline="0">
         <a:ln>
           <a:noFill/>
         </a:ln>
@@ -126,7 +126,7 @@
       <a:buFontTx/>
       <a:buNone/>
       <a:tabLst/>
-      <a:defRPr b="0" baseline="0" cap="none" i="0" spc="0" strike="noStrike" sz="1800" u="none" kumimoji="0" normalizeH="0">
+      <a:defRPr kumimoji="0" sz="1800" b="0" i="0" u="none" strike="noStrike" cap="none" spc="0" normalizeH="0" baseline="0">
         <a:ln>
           <a:noFill/>
         </a:ln>
@@ -156,7 +156,7 @@
       <a:buFontTx/>
       <a:buNone/>
       <a:tabLst/>
-      <a:defRPr b="0" baseline="0" cap="none" i="0" spc="0" strike="noStrike" sz="1800" u="none" kumimoji="0" normalizeH="0">
+      <a:defRPr kumimoji="0" sz="1800" b="0" i="0" u="none" strike="noStrike" cap="none" spc="0" normalizeH="0" baseline="0">
         <a:ln>
           <a:noFill/>
         </a:ln>
@@ -186,7 +186,7 @@
       <a:buFontTx/>
       <a:buNone/>
       <a:tabLst/>
-      <a:defRPr b="0" baseline="0" cap="none" i="0" spc="0" strike="noStrike" sz="1800" u="none" kumimoji="0" normalizeH="0">
+      <a:defRPr kumimoji="0" sz="1800" b="0" i="0" u="none" strike="noStrike" cap="none" spc="0" normalizeH="0" baseline="0">
         <a:ln>
           <a:noFill/>
         </a:ln>
@@ -216,7 +216,7 @@
       <a:buFontTx/>
       <a:buNone/>
       <a:tabLst/>
-      <a:defRPr b="0" baseline="0" cap="none" i="0" spc="0" strike="noStrike" sz="1800" u="none" kumimoji="0" normalizeH="0">
+      <a:defRPr kumimoji="0" sz="1800" b="0" i="0" u="none" strike="noStrike" cap="none" spc="0" normalizeH="0" baseline="0">
         <a:ln>
           <a:noFill/>
         </a:ln>
@@ -246,7 +246,7 @@
       <a:buFontTx/>
       <a:buNone/>
       <a:tabLst/>
-      <a:defRPr b="0" baseline="0" cap="none" i="0" spc="0" strike="noStrike" sz="1800" u="none" kumimoji="0" normalizeH="0">
+      <a:defRPr kumimoji="0" sz="1800" b="0" i="0" u="none" strike="noStrike" cap="none" spc="0" normalizeH="0" baseline="0">
         <a:ln>
           <a:noFill/>
         </a:ln>
@@ -276,7 +276,7 @@
       <a:buFontTx/>
       <a:buNone/>
       <a:tabLst/>
-      <a:defRPr b="0" baseline="0" cap="none" i="0" spc="0" strike="noStrike" sz="1800" u="none" kumimoji="0" normalizeH="0">
+      <a:defRPr kumimoji="0" sz="1800" b="0" i="0" u="none" strike="noStrike" cap="none" spc="0" normalizeH="0" baseline="0">
         <a:ln>
           <a:noFill/>
         </a:ln>
@@ -306,7 +306,7 @@
       <a:buFontTx/>
       <a:buNone/>
       <a:tabLst/>
-      <a:defRPr b="0" baseline="0" cap="none" i="0" spc="0" strike="noStrike" sz="1800" u="none" kumimoji="0" normalizeH="0">
+      <a:defRPr kumimoji="0" sz="1800" b="0" i="0" u="none" strike="noStrike" cap="none" spc="0" normalizeH="0" baseline="0">
         <a:ln>
           <a:noFill/>
         </a:ln>
@@ -325,13 +325,14 @@
 </p:presentation>
 </file>
 
-<file path=ppt/commentAuthors.xml><?xml version="1.0" encoding="utf-8"?>
-<p:cmAuthorLst xmlns:a="http://schemas.openxmlformats.org/drawingml/2006/main" xmlns:r="http://schemas.openxmlformats.org/officeDocument/2006/relationships" xmlns:p="http://schemas.openxmlformats.org/presentationml/2006/main" xmlns:m="http://schemas.openxmlformats.org/officeDocument/2006/math" xmlns:a14="http://schemas.microsoft.com/office/drawing/2010/main"/>
-</file>
-
 <file path=ppt/notesMasters/notesMaster1.xml><?xml version="1.0" encoding="utf-8"?>
-<p:notesMaster xmlns:a="http://schemas.openxmlformats.org/drawingml/2006/main" xmlns:r="http://schemas.openxmlformats.org/officeDocument/2006/relationships" xmlns:p="http://schemas.openxmlformats.org/presentationml/2006/main" xmlns:m="http://schemas.openxmlformats.org/officeDocument/2006/math" xmlns:a14="http://schemas.microsoft.com/office/drawing/2010/main">
+<p:notesMaster xmlns:a="http://schemas.openxmlformats.org/drawingml/2006/main" xmlns:r="http://schemas.openxmlformats.org/officeDocument/2006/relationships" xmlns:p="http://schemas.openxmlformats.org/presentationml/2006/main">
   <p:cSld>
+    <p:bg>
+      <p:bgRef idx="1001">
+        <a:schemeClr val="bg1"/>
+      </p:bgRef>
+    </p:bg>
     <p:spTree>
       <p:nvGrpSpPr>
         <p:cNvPr id="1" name=""/>
@@ -349,7 +350,9 @@
       <p:sp>
         <p:nvSpPr>
           <p:cNvPr id="126" name="Shape 126"/>
-          <p:cNvSpPr/>
+          <p:cNvSpPr>
+            <a:spLocks noGrp="1" noRot="1" noChangeAspect="1"/>
+          </p:cNvSpPr>
           <p:nvPr>
             <p:ph type="sldImg"/>
           </p:nvPr>
@@ -367,14 +370,16 @@
           <a:bodyPr/>
           <a:lstStyle/>
           <a:p>
-            <a:pPr/>
+            <a:endParaRPr/>
           </a:p>
         </p:txBody>
       </p:sp>
       <p:sp>
         <p:nvSpPr>
           <p:cNvPr id="127" name="Shape 127"/>
-          <p:cNvSpPr/>
+          <p:cNvSpPr>
+            <a:spLocks noGrp="1"/>
+          </p:cNvSpPr>
           <p:nvPr>
             <p:ph type="body" sz="quarter" idx="1"/>
           </p:nvPr>
@@ -392,7 +397,7 @@
           <a:bodyPr/>
           <a:lstStyle/>
           <a:p>
-            <a:pPr/>
+            <a:endParaRPr/>
           </a:p>
         </p:txBody>
       </p:sp>
@@ -477,13 +482,14 @@
 </file>
 
 <file path=ppt/slideLayouts/slideLayout1.xml><?xml version="1.0" encoding="utf-8"?>
-<p:sldLayout xmlns:a="http://schemas.openxmlformats.org/drawingml/2006/main" xmlns:r="http://schemas.openxmlformats.org/officeDocument/2006/relationships" xmlns:p="http://schemas.openxmlformats.org/presentationml/2006/main" xmlns:m="http://schemas.openxmlformats.org/officeDocument/2006/math" xmlns:a14="http://schemas.microsoft.com/office/drawing/2010/main" type="title" showMasterSp="0" showMasterPhAnim="1">
+<p:sldLayout xmlns:a="http://schemas.openxmlformats.org/drawingml/2006/main" xmlns:r="http://schemas.openxmlformats.org/officeDocument/2006/relationships" xmlns:p="http://schemas.openxmlformats.org/presentationml/2006/main" showMasterSp="0" type="title">
   <p:cSld name="Title slide">
     <p:bg>
       <p:bgPr>
         <a:solidFill>
           <a:srgbClr val="E9EDEE"/>
         </a:solidFill>
+        <a:effectLst/>
       </p:bgPr>
     </p:bg>
     <p:spTree>
@@ -528,6 +534,7 @@
             <a:pPr>
               <a:defRPr sz="2400"/>
             </a:pPr>
+            <a:endParaRPr/>
           </a:p>
         </p:txBody>
       </p:sp>
@@ -577,6 +584,7 @@
               <a:pPr>
                 <a:defRPr sz="2400"/>
               </a:pPr>
+              <a:endParaRPr/>
             </a:p>
           </p:txBody>
         </p:sp>
@@ -612,6 +620,7 @@
               <a:pPr>
                 <a:defRPr sz="2400"/>
               </a:pPr>
+              <a:endParaRPr/>
             </a:p>
           </p:txBody>
         </p:sp>
@@ -619,7 +628,9 @@
       <p:sp>
         <p:nvSpPr>
           <p:cNvPr id="19" name="标题文本"/>
-          <p:cNvSpPr txBox="1"/>
+          <p:cNvSpPr txBox="1">
+            <a:spLocks noGrp="1"/>
+          </p:cNvSpPr>
           <p:nvPr>
             <p:ph type="title"/>
           </p:nvPr>
@@ -641,7 +652,6 @@
             </a:lvl1pPr>
           </a:lstStyle>
           <a:p>
-            <a:pPr/>
             <a:r>
               <a:t>标题文本</a:t>
             </a:r>
@@ -651,7 +661,9 @@
       <p:sp>
         <p:nvSpPr>
           <p:cNvPr id="20" name="正文级别 1…"/>
-          <p:cNvSpPr txBox="1"/>
+          <p:cNvSpPr txBox="1">
+            <a:spLocks noGrp="1"/>
+          </p:cNvSpPr>
           <p:nvPr>
             <p:ph type="body" sz="quarter" idx="1"/>
           </p:nvPr>
@@ -720,7 +732,6 @@
             </a:lvl5pPr>
           </a:lstStyle>
           <a:p>
-            <a:pPr/>
             <a:r>
               <a:t>正文级别 1</a:t>
             </a:r>
@@ -754,7 +765,9 @@
       <p:sp>
         <p:nvSpPr>
           <p:cNvPr id="21" name="幻灯片编号"/>
-          <p:cNvSpPr txBox="1"/>
+          <p:cNvSpPr txBox="1">
+            <a:spLocks noGrp="1"/>
+          </p:cNvSpPr>
           <p:nvPr>
             <p:ph type="sldNum" sz="quarter" idx="2"/>
           </p:nvPr>
@@ -768,8 +781,10 @@
           <a:bodyPr/>
           <a:lstStyle/>
           <a:p>
-            <a:pPr/>
-            <a:fld id="{86CB4B4D-7CA3-9044-876B-883B54F8677D}" type="slidenum"/>
+            <a:fld id="{86CB4B4D-7CA3-9044-876B-883B54F8677D}" type="slidenum">
+              <a:t>‹#›</a:t>
+            </a:fld>
+            <a:endParaRPr/>
           </a:p>
         </p:txBody>
       </p:sp>
@@ -778,18 +793,19 @@
   <p:clrMapOvr>
     <a:masterClrMapping/>
   </p:clrMapOvr>
-  <p:transition xmlns:p14="http://schemas.microsoft.com/office/powerpoint/2010/main" spd="med" advClick="1"/>
+  <p:transition spd="med"/>
 </p:sldLayout>
 </file>
 
 <file path=ppt/slideLayouts/slideLayout10.xml><?xml version="1.0" encoding="utf-8"?>
-<p:sldLayout xmlns:a="http://schemas.openxmlformats.org/drawingml/2006/main" xmlns:r="http://schemas.openxmlformats.org/officeDocument/2006/relationships" xmlns:p="http://schemas.openxmlformats.org/presentationml/2006/main" xmlns:m="http://schemas.openxmlformats.org/officeDocument/2006/math" xmlns:a14="http://schemas.microsoft.com/office/drawing/2010/main" type="tx" showMasterSp="0" showMasterPhAnim="1">
+<p:sldLayout xmlns:a="http://schemas.openxmlformats.org/drawingml/2006/main" xmlns:r="http://schemas.openxmlformats.org/officeDocument/2006/relationships" xmlns:p="http://schemas.openxmlformats.org/presentationml/2006/main" showMasterSp="0" type="tx">
   <p:cSld name="Big number">
     <p:bg>
       <p:bgPr>
         <a:solidFill>
           <a:srgbClr val="1A9988"/>
         </a:solidFill>
+        <a:effectLst/>
       </p:bgPr>
     </p:bg>
     <p:spTree>
@@ -852,6 +868,7 @@
               <a:pPr>
                 <a:defRPr sz="2400"/>
               </a:pPr>
+              <a:endParaRPr/>
             </a:p>
           </p:txBody>
         </p:sp>
@@ -887,6 +904,7 @@
               <a:pPr>
                 <a:defRPr sz="2400"/>
               </a:pPr>
+              <a:endParaRPr/>
             </a:p>
           </p:txBody>
         </p:sp>
@@ -894,7 +912,9 @@
       <p:sp>
         <p:nvSpPr>
           <p:cNvPr id="111" name="xx%"/>
-          <p:cNvSpPr txBox="1"/>
+          <p:cNvSpPr txBox="1">
+            <a:spLocks noGrp="1"/>
+          </p:cNvSpPr>
           <p:nvPr>
             <p:ph type="title" hasCustomPrompt="1"/>
           </p:nvPr>
@@ -920,7 +940,6 @@
             </a:lvl1pPr>
           </a:lstStyle>
           <a:p>
-            <a:pPr/>
             <a:r>
               <a:t>xx%</a:t>
             </a:r>
@@ -930,7 +949,9 @@
       <p:sp>
         <p:nvSpPr>
           <p:cNvPr id="112" name="正文级别 1…"/>
-          <p:cNvSpPr txBox="1"/>
+          <p:cNvSpPr txBox="1">
+            <a:spLocks noGrp="1"/>
+          </p:cNvSpPr>
           <p:nvPr>
             <p:ph type="body" sz="half" idx="1"/>
           </p:nvPr>
@@ -999,7 +1020,6 @@
             </a:lvl5pPr>
           </a:lstStyle>
           <a:p>
-            <a:pPr/>
             <a:r>
               <a:t>正文级别 1</a:t>
             </a:r>
@@ -1033,7 +1053,9 @@
       <p:sp>
         <p:nvSpPr>
           <p:cNvPr id="113" name="幻灯片编号"/>
-          <p:cNvSpPr txBox="1"/>
+          <p:cNvSpPr txBox="1">
+            <a:spLocks noGrp="1"/>
+          </p:cNvSpPr>
           <p:nvPr>
             <p:ph type="sldNum" sz="quarter" idx="2"/>
           </p:nvPr>
@@ -1055,8 +1077,10 @@
             </a:lvl1pPr>
           </a:lstStyle>
           <a:p>
-            <a:pPr/>
-            <a:fld id="{86CB4B4D-7CA3-9044-876B-883B54F8677D}" type="slidenum"/>
+            <a:fld id="{86CB4B4D-7CA3-9044-876B-883B54F8677D}" type="slidenum">
+              <a:t>‹#›</a:t>
+            </a:fld>
+            <a:endParaRPr/>
           </a:p>
         </p:txBody>
       </p:sp>
@@ -1065,12 +1089,12 @@
   <p:clrMapOvr>
     <a:masterClrMapping/>
   </p:clrMapOvr>
-  <p:transition xmlns:p14="http://schemas.microsoft.com/office/powerpoint/2010/main" spd="med" advClick="1"/>
+  <p:transition spd="med"/>
 </p:sldLayout>
 </file>
 
 <file path=ppt/slideLayouts/slideLayout11.xml><?xml version="1.0" encoding="utf-8"?>
-<p:sldLayout xmlns:a="http://schemas.openxmlformats.org/drawingml/2006/main" xmlns:r="http://schemas.openxmlformats.org/officeDocument/2006/relationships" xmlns:p="http://schemas.openxmlformats.org/presentationml/2006/main" xmlns:m="http://schemas.openxmlformats.org/officeDocument/2006/math" xmlns:a14="http://schemas.microsoft.com/office/drawing/2010/main" type="tx" showMasterSp="0" showMasterPhAnim="1">
+<p:sldLayout xmlns:a="http://schemas.openxmlformats.org/drawingml/2006/main" xmlns:r="http://schemas.openxmlformats.org/officeDocument/2006/relationships" xmlns:p="http://schemas.openxmlformats.org/presentationml/2006/main" showMasterSp="0" type="tx">
   <p:cSld name="Blank">
     <p:spTree>
       <p:nvGrpSpPr>
@@ -1089,7 +1113,9 @@
       <p:sp>
         <p:nvSpPr>
           <p:cNvPr id="120" name="幻灯片编号"/>
-          <p:cNvSpPr txBox="1"/>
+          <p:cNvSpPr txBox="1">
+            <a:spLocks noGrp="1"/>
+          </p:cNvSpPr>
           <p:nvPr>
             <p:ph type="sldNum" sz="quarter" idx="2"/>
           </p:nvPr>
@@ -1103,8 +1129,10 @@
           <a:bodyPr/>
           <a:lstStyle/>
           <a:p>
-            <a:pPr/>
-            <a:fld id="{86CB4B4D-7CA3-9044-876B-883B54F8677D}" type="slidenum"/>
+            <a:fld id="{86CB4B4D-7CA3-9044-876B-883B54F8677D}" type="slidenum">
+              <a:t>‹#›</a:t>
+            </a:fld>
+            <a:endParaRPr/>
           </a:p>
         </p:txBody>
       </p:sp>
@@ -1113,18 +1141,19 @@
   <p:clrMapOvr>
     <a:masterClrMapping/>
   </p:clrMapOvr>
-  <p:transition xmlns:p14="http://schemas.microsoft.com/office/powerpoint/2010/main" spd="med" advClick="1"/>
+  <p:transition spd="med"/>
 </p:sldLayout>
 </file>
 
 <file path=ppt/slideLayouts/slideLayout2.xml><?xml version="1.0" encoding="utf-8"?>
-<p:sldLayout xmlns:a="http://schemas.openxmlformats.org/drawingml/2006/main" xmlns:r="http://schemas.openxmlformats.org/officeDocument/2006/relationships" xmlns:p="http://schemas.openxmlformats.org/presentationml/2006/main" xmlns:m="http://schemas.openxmlformats.org/officeDocument/2006/math" xmlns:a14="http://schemas.microsoft.com/office/drawing/2010/main" type="tx" showMasterSp="0" showMasterPhAnim="1">
+<p:sldLayout xmlns:a="http://schemas.openxmlformats.org/drawingml/2006/main" xmlns:r="http://schemas.openxmlformats.org/officeDocument/2006/relationships" xmlns:p="http://schemas.openxmlformats.org/presentationml/2006/main" showMasterSp="0" type="tx">
   <p:cSld name="Section header">
     <p:bg>
       <p:bgPr>
         <a:solidFill>
           <a:srgbClr val="1A9988"/>
         </a:solidFill>
+        <a:effectLst/>
       </p:bgPr>
     </p:bg>
     <p:spTree>
@@ -1187,6 +1216,7 @@
               <a:pPr>
                 <a:defRPr sz="2400"/>
               </a:pPr>
+              <a:endParaRPr/>
             </a:p>
           </p:txBody>
         </p:sp>
@@ -1222,6 +1252,7 @@
               <a:pPr>
                 <a:defRPr sz="2400"/>
               </a:pPr>
+              <a:endParaRPr/>
             </a:p>
           </p:txBody>
         </p:sp>
@@ -1229,7 +1260,9 @@
       <p:sp>
         <p:nvSpPr>
           <p:cNvPr id="31" name="标题文本"/>
-          <p:cNvSpPr txBox="1"/>
+          <p:cNvSpPr txBox="1">
+            <a:spLocks noGrp="1"/>
+          </p:cNvSpPr>
           <p:nvPr>
             <p:ph type="title"/>
           </p:nvPr>
@@ -1255,7 +1288,6 @@
             </a:lvl1pPr>
           </a:lstStyle>
           <a:p>
-            <a:pPr/>
             <a:r>
               <a:t>标题文本</a:t>
             </a:r>
@@ -1265,7 +1297,9 @@
       <p:sp>
         <p:nvSpPr>
           <p:cNvPr id="32" name="幻灯片编号"/>
-          <p:cNvSpPr txBox="1"/>
+          <p:cNvSpPr txBox="1">
+            <a:spLocks noGrp="1"/>
+          </p:cNvSpPr>
           <p:nvPr>
             <p:ph type="sldNum" sz="quarter" idx="2"/>
           </p:nvPr>
@@ -1287,8 +1321,10 @@
             </a:lvl1pPr>
           </a:lstStyle>
           <a:p>
-            <a:pPr/>
-            <a:fld id="{86CB4B4D-7CA3-9044-876B-883B54F8677D}" type="slidenum"/>
+            <a:fld id="{86CB4B4D-7CA3-9044-876B-883B54F8677D}" type="slidenum">
+              <a:t>‹#›</a:t>
+            </a:fld>
+            <a:endParaRPr/>
           </a:p>
         </p:txBody>
       </p:sp>
@@ -1297,12 +1333,12 @@
   <p:clrMapOvr>
     <a:masterClrMapping/>
   </p:clrMapOvr>
-  <p:transition xmlns:p14="http://schemas.microsoft.com/office/powerpoint/2010/main" spd="med" advClick="1"/>
+  <p:transition spd="med"/>
 </p:sldLayout>
 </file>
 
 <file path=ppt/slideLayouts/slideLayout3.xml><?xml version="1.0" encoding="utf-8"?>
-<p:sldLayout xmlns:a="http://schemas.openxmlformats.org/drawingml/2006/main" xmlns:r="http://schemas.openxmlformats.org/officeDocument/2006/relationships" xmlns:p="http://schemas.openxmlformats.org/presentationml/2006/main" xmlns:m="http://schemas.openxmlformats.org/officeDocument/2006/math" xmlns:a14="http://schemas.microsoft.com/office/drawing/2010/main" type="tx" showMasterSp="1" showMasterPhAnim="1">
+<p:sldLayout xmlns:a="http://schemas.openxmlformats.org/drawingml/2006/main" xmlns:r="http://schemas.openxmlformats.org/officeDocument/2006/relationships" xmlns:p="http://schemas.openxmlformats.org/presentationml/2006/main" type="tx">
   <p:cSld name="Title and body">
     <p:spTree>
       <p:nvGrpSpPr>
@@ -1321,7 +1357,9 @@
       <p:sp>
         <p:nvSpPr>
           <p:cNvPr id="39" name="标题文本"/>
-          <p:cNvSpPr txBox="1"/>
+          <p:cNvSpPr txBox="1">
+            <a:spLocks noGrp="1"/>
+          </p:cNvSpPr>
           <p:nvPr>
             <p:ph type="title"/>
           </p:nvPr>
@@ -1339,7 +1377,6 @@
           <a:bodyPr/>
           <a:lstStyle/>
           <a:p>
-            <a:pPr/>
             <a:r>
               <a:t>标题文本</a:t>
             </a:r>
@@ -1349,7 +1386,9 @@
       <p:sp>
         <p:nvSpPr>
           <p:cNvPr id="40" name="正文级别 1…"/>
-          <p:cNvSpPr txBox="1"/>
+          <p:cNvSpPr txBox="1">
+            <a:spLocks noGrp="1"/>
+          </p:cNvSpPr>
           <p:nvPr>
             <p:ph type="body" sz="half" idx="1"/>
           </p:nvPr>
@@ -1373,7 +1412,6 @@
             <a:lvl5pPr marL="3120273" indent="-470272"/>
           </a:lstStyle>
           <a:p>
-            <a:pPr/>
             <a:r>
               <a:t>正文级别 1</a:t>
             </a:r>
@@ -1407,7 +1445,9 @@
       <p:sp>
         <p:nvSpPr>
           <p:cNvPr id="41" name="幻灯片编号"/>
-          <p:cNvSpPr txBox="1"/>
+          <p:cNvSpPr txBox="1">
+            <a:spLocks noGrp="1"/>
+          </p:cNvSpPr>
           <p:nvPr>
             <p:ph type="sldNum" sz="quarter" idx="2"/>
           </p:nvPr>
@@ -1421,8 +1461,10 @@
           <a:bodyPr/>
           <a:lstStyle/>
           <a:p>
-            <a:pPr/>
-            <a:fld id="{86CB4B4D-7CA3-9044-876B-883B54F8677D}" type="slidenum"/>
+            <a:fld id="{86CB4B4D-7CA3-9044-876B-883B54F8677D}" type="slidenum">
+              <a:t>‹#›</a:t>
+            </a:fld>
+            <a:endParaRPr/>
           </a:p>
         </p:txBody>
       </p:sp>
@@ -1431,12 +1473,12 @@
   <p:clrMapOvr>
     <a:masterClrMapping/>
   </p:clrMapOvr>
-  <p:transition xmlns:p14="http://schemas.microsoft.com/office/powerpoint/2010/main" spd="med" advClick="1"/>
+  <p:transition spd="med"/>
 </p:sldLayout>
 </file>
 
 <file path=ppt/slideLayouts/slideLayout4.xml><?xml version="1.0" encoding="utf-8"?>
-<p:sldLayout xmlns:a="http://schemas.openxmlformats.org/drawingml/2006/main" xmlns:r="http://schemas.openxmlformats.org/officeDocument/2006/relationships" xmlns:p="http://schemas.openxmlformats.org/presentationml/2006/main" xmlns:m="http://schemas.openxmlformats.org/officeDocument/2006/math" xmlns:a14="http://schemas.microsoft.com/office/drawing/2010/main" type="tx" showMasterSp="1" showMasterPhAnim="1">
+<p:sldLayout xmlns:a="http://schemas.openxmlformats.org/drawingml/2006/main" xmlns:r="http://schemas.openxmlformats.org/officeDocument/2006/relationships" xmlns:p="http://schemas.openxmlformats.org/presentationml/2006/main" type="tx">
   <p:cSld name="Title and two columns">
     <p:spTree>
       <p:nvGrpSpPr>
@@ -1455,7 +1497,9 @@
       <p:sp>
         <p:nvSpPr>
           <p:cNvPr id="48" name="标题文本"/>
-          <p:cNvSpPr txBox="1"/>
+          <p:cNvSpPr txBox="1">
+            <a:spLocks noGrp="1"/>
+          </p:cNvSpPr>
           <p:nvPr>
             <p:ph type="title"/>
           </p:nvPr>
@@ -1469,7 +1513,6 @@
           <a:bodyPr/>
           <a:lstStyle/>
           <a:p>
-            <a:pPr/>
             <a:r>
               <a:t>标题文本</a:t>
             </a:r>
@@ -1479,7 +1522,9 @@
       <p:sp>
         <p:nvSpPr>
           <p:cNvPr id="49" name="正文级别 1…"/>
-          <p:cNvSpPr txBox="1"/>
+          <p:cNvSpPr txBox="1">
+            <a:spLocks noGrp="1"/>
+          </p:cNvSpPr>
           <p:nvPr>
             <p:ph type="body" sz="quarter" idx="1"/>
           </p:nvPr>
@@ -1503,7 +1548,6 @@
             <a:lvl5pPr marL="3120273" indent="-470272"/>
           </a:lstStyle>
           <a:p>
-            <a:pPr/>
             <a:r>
               <a:t>正文级别 1</a:t>
             </a:r>
@@ -1537,7 +1581,9 @@
       <p:sp>
         <p:nvSpPr>
           <p:cNvPr id="50" name="Google Shape;38;p5"/>
-          <p:cNvSpPr txBox="1"/>
+          <p:cNvSpPr txBox="1">
+            <a:spLocks noGrp="1"/>
+          </p:cNvSpPr>
           <p:nvPr>
             <p:ph type="body" sz="quarter" idx="21"/>
           </p:nvPr>
@@ -1556,13 +1602,16 @@
           <a:lstStyle/>
           <a:p>
             <a:pPr marL="609584" indent="-414855"/>
+            <a:endParaRPr/>
           </a:p>
         </p:txBody>
       </p:sp>
       <p:sp>
         <p:nvSpPr>
           <p:cNvPr id="51" name="幻灯片编号"/>
-          <p:cNvSpPr txBox="1"/>
+          <p:cNvSpPr txBox="1">
+            <a:spLocks noGrp="1"/>
+          </p:cNvSpPr>
           <p:nvPr>
             <p:ph type="sldNum" sz="quarter" idx="2"/>
           </p:nvPr>
@@ -1576,8 +1625,10 @@
           <a:bodyPr/>
           <a:lstStyle/>
           <a:p>
-            <a:pPr/>
-            <a:fld id="{86CB4B4D-7CA3-9044-876B-883B54F8677D}" type="slidenum"/>
+            <a:fld id="{86CB4B4D-7CA3-9044-876B-883B54F8677D}" type="slidenum">
+              <a:t>‹#›</a:t>
+            </a:fld>
+            <a:endParaRPr/>
           </a:p>
         </p:txBody>
       </p:sp>
@@ -1586,12 +1637,12 @@
   <p:clrMapOvr>
     <a:masterClrMapping/>
   </p:clrMapOvr>
-  <p:transition xmlns:p14="http://schemas.microsoft.com/office/powerpoint/2010/main" spd="med" advClick="1"/>
+  <p:transition spd="med"/>
 </p:sldLayout>
 </file>
 
 <file path=ppt/slideLayouts/slideLayout5.xml><?xml version="1.0" encoding="utf-8"?>
-<p:sldLayout xmlns:a="http://schemas.openxmlformats.org/drawingml/2006/main" xmlns:r="http://schemas.openxmlformats.org/officeDocument/2006/relationships" xmlns:p="http://schemas.openxmlformats.org/presentationml/2006/main" xmlns:m="http://schemas.openxmlformats.org/officeDocument/2006/math" xmlns:a14="http://schemas.microsoft.com/office/drawing/2010/main" type="tx" showMasterSp="1" showMasterPhAnim="1">
+<p:sldLayout xmlns:a="http://schemas.openxmlformats.org/drawingml/2006/main" xmlns:r="http://schemas.openxmlformats.org/officeDocument/2006/relationships" xmlns:p="http://schemas.openxmlformats.org/presentationml/2006/main" type="tx">
   <p:cSld name="Title only">
     <p:spTree>
       <p:nvGrpSpPr>
@@ -1610,7 +1661,9 @@
       <p:sp>
         <p:nvSpPr>
           <p:cNvPr id="58" name="标题文本"/>
-          <p:cNvSpPr txBox="1"/>
+          <p:cNvSpPr txBox="1">
+            <a:spLocks noGrp="1"/>
+          </p:cNvSpPr>
           <p:nvPr>
             <p:ph type="title"/>
           </p:nvPr>
@@ -1624,7 +1677,6 @@
           <a:bodyPr/>
           <a:lstStyle/>
           <a:p>
-            <a:pPr/>
             <a:r>
               <a:t>标题文本</a:t>
             </a:r>
@@ -1634,7 +1686,9 @@
       <p:sp>
         <p:nvSpPr>
           <p:cNvPr id="59" name="幻灯片编号"/>
-          <p:cNvSpPr txBox="1"/>
+          <p:cNvSpPr txBox="1">
+            <a:spLocks noGrp="1"/>
+          </p:cNvSpPr>
           <p:nvPr>
             <p:ph type="sldNum" sz="quarter" idx="2"/>
           </p:nvPr>
@@ -1648,8 +1702,10 @@
           <a:bodyPr/>
           <a:lstStyle/>
           <a:p>
-            <a:pPr/>
-            <a:fld id="{86CB4B4D-7CA3-9044-876B-883B54F8677D}" type="slidenum"/>
+            <a:fld id="{86CB4B4D-7CA3-9044-876B-883B54F8677D}" type="slidenum">
+              <a:t>‹#›</a:t>
+            </a:fld>
+            <a:endParaRPr/>
           </a:p>
         </p:txBody>
       </p:sp>
@@ -1658,12 +1714,12 @@
   <p:clrMapOvr>
     <a:masterClrMapping/>
   </p:clrMapOvr>
-  <p:transition xmlns:p14="http://schemas.microsoft.com/office/powerpoint/2010/main" spd="med" advClick="1"/>
+  <p:transition spd="med"/>
 </p:sldLayout>
 </file>
 
 <file path=ppt/slideLayouts/slideLayout6.xml><?xml version="1.0" encoding="utf-8"?>
-<p:sldLayout xmlns:a="http://schemas.openxmlformats.org/drawingml/2006/main" xmlns:r="http://schemas.openxmlformats.org/officeDocument/2006/relationships" xmlns:p="http://schemas.openxmlformats.org/presentationml/2006/main" xmlns:m="http://schemas.openxmlformats.org/officeDocument/2006/math" xmlns:a14="http://schemas.microsoft.com/office/drawing/2010/main" type="tx" showMasterSp="1" showMasterPhAnim="1">
+<p:sldLayout xmlns:a="http://schemas.openxmlformats.org/drawingml/2006/main" xmlns:r="http://schemas.openxmlformats.org/officeDocument/2006/relationships" xmlns:p="http://schemas.openxmlformats.org/presentationml/2006/main" type="tx">
   <p:cSld name="One column text">
     <p:spTree>
       <p:nvGrpSpPr>
@@ -1682,7 +1738,9 @@
       <p:sp>
         <p:nvSpPr>
           <p:cNvPr id="66" name="标题文本"/>
-          <p:cNvSpPr txBox="1"/>
+          <p:cNvSpPr txBox="1">
+            <a:spLocks noGrp="1"/>
+          </p:cNvSpPr>
           <p:nvPr>
             <p:ph type="title"/>
           </p:nvPr>
@@ -1700,7 +1758,6 @@
           <a:bodyPr/>
           <a:lstStyle/>
           <a:p>
-            <a:pPr/>
             <a:r>
               <a:t>标题文本</a:t>
             </a:r>
@@ -1710,7 +1767,9 @@
       <p:sp>
         <p:nvSpPr>
           <p:cNvPr id="67" name="正文级别 1…"/>
-          <p:cNvSpPr txBox="1"/>
+          <p:cNvSpPr txBox="1">
+            <a:spLocks noGrp="1"/>
+          </p:cNvSpPr>
           <p:nvPr>
             <p:ph type="body" sz="quarter" idx="1"/>
           </p:nvPr>
@@ -1734,7 +1793,6 @@
             <a:lvl5pPr marL="3120273" indent="-470272"/>
           </a:lstStyle>
           <a:p>
-            <a:pPr/>
             <a:r>
               <a:t>正文级别 1</a:t>
             </a:r>
@@ -1768,7 +1826,9 @@
       <p:sp>
         <p:nvSpPr>
           <p:cNvPr id="68" name="幻灯片编号"/>
-          <p:cNvSpPr txBox="1"/>
+          <p:cNvSpPr txBox="1">
+            <a:spLocks noGrp="1"/>
+          </p:cNvSpPr>
           <p:nvPr>
             <p:ph type="sldNum" sz="quarter" idx="2"/>
           </p:nvPr>
@@ -1782,8 +1842,10 @@
           <a:bodyPr/>
           <a:lstStyle/>
           <a:p>
-            <a:pPr/>
-            <a:fld id="{86CB4B4D-7CA3-9044-876B-883B54F8677D}" type="slidenum"/>
+            <a:fld id="{86CB4B4D-7CA3-9044-876B-883B54F8677D}" type="slidenum">
+              <a:t>‹#›</a:t>
+            </a:fld>
+            <a:endParaRPr/>
           </a:p>
         </p:txBody>
       </p:sp>
@@ -1792,18 +1854,19 @@
   <p:clrMapOvr>
     <a:masterClrMapping/>
   </p:clrMapOvr>
-  <p:transition xmlns:p14="http://schemas.microsoft.com/office/powerpoint/2010/main" spd="med" advClick="1"/>
+  <p:transition spd="med"/>
 </p:sldLayout>
 </file>
 
 <file path=ppt/slideLayouts/slideLayout7.xml><?xml version="1.0" encoding="utf-8"?>
-<p:sldLayout xmlns:a="http://schemas.openxmlformats.org/drawingml/2006/main" xmlns:r="http://schemas.openxmlformats.org/officeDocument/2006/relationships" xmlns:p="http://schemas.openxmlformats.org/presentationml/2006/main" xmlns:m="http://schemas.openxmlformats.org/officeDocument/2006/math" xmlns:a14="http://schemas.microsoft.com/office/drawing/2010/main" type="tx" showMasterSp="0" showMasterPhAnim="1">
+<p:sldLayout xmlns:a="http://schemas.openxmlformats.org/drawingml/2006/main" xmlns:r="http://schemas.openxmlformats.org/officeDocument/2006/relationships" xmlns:p="http://schemas.openxmlformats.org/presentationml/2006/main" showMasterSp="0" type="tx">
   <p:cSld name="Main point">
     <p:bg>
       <p:bgPr>
         <a:solidFill>
           <a:schemeClr val="accent3"/>
         </a:solidFill>
+        <a:effectLst/>
       </p:bgPr>
     </p:bg>
     <p:spTree>
@@ -1866,6 +1929,7 @@
               <a:pPr>
                 <a:defRPr sz="2400"/>
               </a:pPr>
+              <a:endParaRPr/>
             </a:p>
           </p:txBody>
         </p:sp>
@@ -1901,6 +1965,7 @@
               <a:pPr>
                 <a:defRPr sz="2400"/>
               </a:pPr>
+              <a:endParaRPr/>
             </a:p>
           </p:txBody>
         </p:sp>
@@ -1908,7 +1973,9 @@
       <p:sp>
         <p:nvSpPr>
           <p:cNvPr id="78" name="标题文本"/>
-          <p:cNvSpPr txBox="1"/>
+          <p:cNvSpPr txBox="1">
+            <a:spLocks noGrp="1"/>
+          </p:cNvSpPr>
           <p:nvPr>
             <p:ph type="title"/>
           </p:nvPr>
@@ -1934,7 +2001,6 @@
             </a:lvl1pPr>
           </a:lstStyle>
           <a:p>
-            <a:pPr/>
             <a:r>
               <a:t>标题文本</a:t>
             </a:r>
@@ -1944,7 +2010,9 @@
       <p:sp>
         <p:nvSpPr>
           <p:cNvPr id="79" name="幻灯片编号"/>
-          <p:cNvSpPr txBox="1"/>
+          <p:cNvSpPr txBox="1">
+            <a:spLocks noGrp="1"/>
+          </p:cNvSpPr>
           <p:nvPr>
             <p:ph type="sldNum" sz="quarter" idx="2"/>
           </p:nvPr>
@@ -1966,8 +2034,10 @@
             </a:lvl1pPr>
           </a:lstStyle>
           <a:p>
-            <a:pPr/>
-            <a:fld id="{86CB4B4D-7CA3-9044-876B-883B54F8677D}" type="slidenum"/>
+            <a:fld id="{86CB4B4D-7CA3-9044-876B-883B54F8677D}" type="slidenum">
+              <a:t>‹#›</a:t>
+            </a:fld>
+            <a:endParaRPr/>
           </a:p>
         </p:txBody>
       </p:sp>
@@ -1976,12 +2046,12 @@
   <p:clrMapOvr>
     <a:masterClrMapping/>
   </p:clrMapOvr>
-  <p:transition xmlns:p14="http://schemas.microsoft.com/office/powerpoint/2010/main" spd="med" advClick="1"/>
+  <p:transition spd="med"/>
 </p:sldLayout>
 </file>
 
 <file path=ppt/slideLayouts/slideLayout8.xml><?xml version="1.0" encoding="utf-8"?>
-<p:sldLayout xmlns:a="http://schemas.openxmlformats.org/drawingml/2006/main" xmlns:r="http://schemas.openxmlformats.org/officeDocument/2006/relationships" xmlns:p="http://schemas.openxmlformats.org/presentationml/2006/main" xmlns:m="http://schemas.openxmlformats.org/officeDocument/2006/math" xmlns:a14="http://schemas.microsoft.com/office/drawing/2010/main" type="tx" showMasterSp="0" showMasterPhAnim="1">
+<p:sldLayout xmlns:a="http://schemas.openxmlformats.org/drawingml/2006/main" xmlns:r="http://schemas.openxmlformats.org/officeDocument/2006/relationships" xmlns:p="http://schemas.openxmlformats.org/presentationml/2006/main" showMasterSp="0" type="tx">
   <p:cSld name="Section title and description">
     <p:spTree>
       <p:nvGrpSpPr>
@@ -2025,6 +2095,7 @@
             <a:pPr>
               <a:defRPr sz="2400"/>
             </a:pPr>
+            <a:endParaRPr/>
           </a:p>
         </p:txBody>
       </p:sp>
@@ -2074,6 +2145,7 @@
               <a:pPr>
                 <a:defRPr sz="2400"/>
               </a:pPr>
+              <a:endParaRPr/>
             </a:p>
           </p:txBody>
         </p:sp>
@@ -2109,6 +2181,7 @@
               <a:pPr>
                 <a:defRPr sz="2400"/>
               </a:pPr>
+              <a:endParaRPr/>
             </a:p>
           </p:txBody>
         </p:sp>
@@ -2116,7 +2189,9 @@
       <p:sp>
         <p:nvSpPr>
           <p:cNvPr id="90" name="标题文本"/>
-          <p:cNvSpPr txBox="1"/>
+          <p:cNvSpPr txBox="1">
+            <a:spLocks noGrp="1"/>
+          </p:cNvSpPr>
           <p:nvPr>
             <p:ph type="title"/>
           </p:nvPr>
@@ -2134,7 +2209,6 @@
           <a:bodyPr/>
           <a:lstStyle/>
           <a:p>
-            <a:pPr/>
             <a:r>
               <a:t>标题文本</a:t>
             </a:r>
@@ -2144,7 +2218,9 @@
       <p:sp>
         <p:nvSpPr>
           <p:cNvPr id="91" name="正文级别 1…"/>
-          <p:cNvSpPr txBox="1"/>
+          <p:cNvSpPr txBox="1">
+            <a:spLocks noGrp="1"/>
+          </p:cNvSpPr>
           <p:nvPr>
             <p:ph type="body" sz="quarter" idx="1"/>
           </p:nvPr>
@@ -2213,7 +2289,6 @@
             </a:lvl5pPr>
           </a:lstStyle>
           <a:p>
-            <a:pPr/>
             <a:r>
               <a:t>正文级别 1</a:t>
             </a:r>
@@ -2247,7 +2322,9 @@
       <p:sp>
         <p:nvSpPr>
           <p:cNvPr id="92" name="Google Shape;68;p9"/>
-          <p:cNvSpPr txBox="1"/>
+          <p:cNvSpPr txBox="1">
+            <a:spLocks noGrp="1"/>
+          </p:cNvSpPr>
           <p:nvPr>
             <p:ph type="body" sz="half" idx="21"/>
           </p:nvPr>
@@ -2266,13 +2343,16 @@
           <a:lstStyle/>
           <a:p>
             <a:pPr marL="609584" indent="-414855"/>
+            <a:endParaRPr/>
           </a:p>
         </p:txBody>
       </p:sp>
       <p:sp>
         <p:nvSpPr>
           <p:cNvPr id="93" name="幻灯片编号"/>
-          <p:cNvSpPr txBox="1"/>
+          <p:cNvSpPr txBox="1">
+            <a:spLocks noGrp="1"/>
+          </p:cNvSpPr>
           <p:nvPr>
             <p:ph type="sldNum" sz="quarter" idx="2"/>
           </p:nvPr>
@@ -2286,8 +2366,10 @@
           <a:bodyPr/>
           <a:lstStyle/>
           <a:p>
-            <a:pPr/>
-            <a:fld id="{86CB4B4D-7CA3-9044-876B-883B54F8677D}" type="slidenum"/>
+            <a:fld id="{86CB4B4D-7CA3-9044-876B-883B54F8677D}" type="slidenum">
+              <a:t>‹#›</a:t>
+            </a:fld>
+            <a:endParaRPr/>
           </a:p>
         </p:txBody>
       </p:sp>
@@ -2296,12 +2378,12 @@
   <p:clrMapOvr>
     <a:masterClrMapping/>
   </p:clrMapOvr>
-  <p:transition xmlns:p14="http://schemas.microsoft.com/office/powerpoint/2010/main" spd="med" advClick="1"/>
+  <p:transition spd="med"/>
 </p:sldLayout>
 </file>
 
 <file path=ppt/slideLayouts/slideLayout9.xml><?xml version="1.0" encoding="utf-8"?>
-<p:sldLayout xmlns:a="http://schemas.openxmlformats.org/drawingml/2006/main" xmlns:r="http://schemas.openxmlformats.org/officeDocument/2006/relationships" xmlns:p="http://schemas.openxmlformats.org/presentationml/2006/main" xmlns:m="http://schemas.openxmlformats.org/officeDocument/2006/math" xmlns:a14="http://schemas.microsoft.com/office/drawing/2010/main" type="tx" showMasterSp="0" showMasterPhAnim="1">
+<p:sldLayout xmlns:a="http://schemas.openxmlformats.org/drawingml/2006/main" xmlns:r="http://schemas.openxmlformats.org/officeDocument/2006/relationships" xmlns:p="http://schemas.openxmlformats.org/presentationml/2006/main" showMasterSp="0" type="tx">
   <p:cSld name="Caption">
     <p:spTree>
       <p:nvGrpSpPr>
@@ -2320,7 +2402,9 @@
       <p:sp>
         <p:nvSpPr>
           <p:cNvPr id="100" name="正文级别 1…"/>
-          <p:cNvSpPr txBox="1"/>
+          <p:cNvSpPr txBox="1">
+            <a:spLocks noGrp="1"/>
+          </p:cNvSpPr>
           <p:nvPr>
             <p:ph type="body" sz="quarter" idx="1"/>
           </p:nvPr>
@@ -2376,7 +2460,6 @@
             </a:lvl5pPr>
           </a:lstStyle>
           <a:p>
-            <a:pPr/>
             <a:r>
               <a:t>正文级别 1</a:t>
             </a:r>
@@ -2410,7 +2493,9 @@
       <p:sp>
         <p:nvSpPr>
           <p:cNvPr id="101" name="幻灯片编号"/>
-          <p:cNvSpPr txBox="1"/>
+          <p:cNvSpPr txBox="1">
+            <a:spLocks noGrp="1"/>
+          </p:cNvSpPr>
           <p:nvPr>
             <p:ph type="sldNum" sz="quarter" idx="2"/>
           </p:nvPr>
@@ -2424,8 +2509,10 @@
           <a:bodyPr/>
           <a:lstStyle/>
           <a:p>
-            <a:pPr/>
-            <a:fld id="{86CB4B4D-7CA3-9044-876B-883B54F8677D}" type="slidenum"/>
+            <a:fld id="{86CB4B4D-7CA3-9044-876B-883B54F8677D}" type="slidenum">
+              <a:t>‹#›</a:t>
+            </a:fld>
+            <a:endParaRPr/>
           </a:p>
         </p:txBody>
       </p:sp>
@@ -2434,18 +2521,19 @@
   <p:clrMapOvr>
     <a:masterClrMapping/>
   </p:clrMapOvr>
-  <p:transition xmlns:p14="http://schemas.microsoft.com/office/powerpoint/2010/main" spd="med" advClick="1"/>
+  <p:transition spd="med"/>
 </p:sldLayout>
 </file>
 
 <file path=ppt/slideMasters/slideMaster1.xml><?xml version="1.0" encoding="utf-8"?>
-<p:sldMaster xmlns:a="http://schemas.openxmlformats.org/drawingml/2006/main" xmlns:r="http://schemas.openxmlformats.org/officeDocument/2006/relationships" xmlns:p="http://schemas.openxmlformats.org/presentationml/2006/main" xmlns:m="http://schemas.openxmlformats.org/officeDocument/2006/math" xmlns:a14="http://schemas.microsoft.com/office/drawing/2010/main">
+<p:sldMaster xmlns:a="http://schemas.openxmlformats.org/drawingml/2006/main" xmlns:r="http://schemas.openxmlformats.org/officeDocument/2006/relationships" xmlns:p="http://schemas.openxmlformats.org/presentationml/2006/main">
   <p:cSld>
     <p:bg>
       <p:bgPr>
         <a:solidFill>
           <a:srgbClr val="FFFFFF"/>
         </a:solidFill>
+        <a:effectLst/>
       </p:bgPr>
     </p:bg>
     <p:spTree>
@@ -2490,6 +2578,7 @@
             <a:pPr>
               <a:defRPr sz="2400"/>
             </a:pPr>
+            <a:endParaRPr/>
           </a:p>
         </p:txBody>
       </p:sp>
@@ -2539,6 +2628,7 @@
               <a:pPr>
                 <a:defRPr sz="2400"/>
               </a:pPr>
+              <a:endParaRPr/>
             </a:p>
           </p:txBody>
         </p:sp>
@@ -2574,6 +2664,7 @@
               <a:pPr>
                 <a:defRPr sz="2400"/>
               </a:pPr>
+              <a:endParaRPr/>
             </a:p>
           </p:txBody>
         </p:sp>
@@ -2581,7 +2672,9 @@
       <p:sp>
         <p:nvSpPr>
           <p:cNvPr id="6" name="标题文本"/>
-          <p:cNvSpPr txBox="1"/>
+          <p:cNvSpPr txBox="1">
+            <a:spLocks noGrp="1"/>
+          </p:cNvSpPr>
           <p:nvPr>
             <p:ph type="title"/>
           </p:nvPr>
@@ -2599,17 +2692,16 @@
           </a:ln>
           <a:extLst>
             <a:ext uri="{C572A759-6A51-4108-AA02-DFA0A04FC94B}">
-              <ma14:wrappingTextBoxFlag xmlns:ma14="http://schemas.microsoft.com/office/mac/drawingml/2011/main" val="1"/>
+              <ma14:wrappingTextBoxFlag xmlns:ma14="http://schemas.microsoft.com/office/mac/drawingml/2011/main" xmlns:a14="http://schemas.microsoft.com/office/drawing/2010/main" xmlns:m="http://schemas.openxmlformats.org/officeDocument/2006/math" xmlns="" val="1"/>
             </a:ext>
           </a:extLst>
         </p:spPr>
         <p:txBody>
           <a:bodyPr lIns="91424" tIns="91424" rIns="91424" bIns="91424">
-            <a:normAutofit fontScale="100000" lnSpcReduction="0"/>
+            <a:normAutofit/>
           </a:bodyPr>
           <a:lstStyle/>
           <a:p>
-            <a:pPr/>
             <a:r>
               <a:t>标题文本</a:t>
             </a:r>
@@ -2619,7 +2711,9 @@
       <p:sp>
         <p:nvSpPr>
           <p:cNvPr id="7" name="正文级别 1…"/>
-          <p:cNvSpPr txBox="1"/>
+          <p:cNvSpPr txBox="1">
+            <a:spLocks noGrp="1"/>
+          </p:cNvSpPr>
           <p:nvPr>
             <p:ph type="body" idx="1"/>
           </p:nvPr>
@@ -2637,17 +2731,16 @@
           </a:ln>
           <a:extLst>
             <a:ext uri="{C572A759-6A51-4108-AA02-DFA0A04FC94B}">
-              <ma14:wrappingTextBoxFlag xmlns:ma14="http://schemas.microsoft.com/office/mac/drawingml/2011/main" val="1"/>
+              <ma14:wrappingTextBoxFlag xmlns:ma14="http://schemas.microsoft.com/office/mac/drawingml/2011/main" xmlns:a14="http://schemas.microsoft.com/office/drawing/2010/main" xmlns:m="http://schemas.openxmlformats.org/officeDocument/2006/math" xmlns="" val="1"/>
             </a:ext>
           </a:extLst>
         </p:spPr>
         <p:txBody>
           <a:bodyPr lIns="91424" tIns="91424" rIns="91424" bIns="91424">
-            <a:normAutofit fontScale="100000" lnSpcReduction="0"/>
+            <a:normAutofit/>
           </a:bodyPr>
           <a:lstStyle/>
           <a:p>
-            <a:pPr/>
             <a:r>
               <a:t>正文级别 1</a:t>
             </a:r>
@@ -2681,7 +2774,9 @@
       <p:sp>
         <p:nvSpPr>
           <p:cNvPr id="8" name="幻灯片编号"/>
-          <p:cNvSpPr txBox="1"/>
+          <p:cNvSpPr txBox="1">
+            <a:spLocks noGrp="1"/>
+          </p:cNvSpPr>
           <p:nvPr>
             <p:ph type="sldNum" sz="quarter" idx="2"/>
           </p:nvPr>
@@ -2700,7 +2795,7 @@
         </p:spPr>
         <p:txBody>
           <a:bodyPr wrap="none" lIns="91424" tIns="91424" rIns="91424" bIns="91424" anchor="ctr">
-            <a:normAutofit fontScale="100000" lnSpcReduction="0"/>
+            <a:normAutofit/>
           </a:bodyPr>
           <a:lstStyle>
             <a:lvl1pPr algn="r">
@@ -2716,8 +2811,10 @@
             </a:lvl1pPr>
           </a:lstStyle>
           <a:p>
-            <a:pPr/>
-            <a:fld id="{86CB4B4D-7CA3-9044-876B-883B54F8677D}" type="slidenum"/>
+            <a:fld id="{86CB4B4D-7CA3-9044-876B-883B54F8677D}" type="slidenum">
+              <a:t>‹#›</a:t>
+            </a:fld>
+            <a:endParaRPr/>
           </a:p>
         </p:txBody>
       </p:sp>
@@ -2725,19 +2822,19 @@
   </p:cSld>
   <p:clrMap bg1="dk1" tx1="lt1" bg2="dk2" tx2="lt2" accent1="accent1" accent2="accent2" accent3="accent3" accent4="accent4" accent5="accent5" accent6="accent6" hlink="hlink" folHlink="folHlink"/>
   <p:sldLayoutIdLst>
-    <p:sldLayoutId id="2147483649" r:id="rId2"/>
-    <p:sldLayoutId id="2147483650" r:id="rId3"/>
-    <p:sldLayoutId id="2147483651" r:id="rId4"/>
-    <p:sldLayoutId id="2147483652" r:id="rId5"/>
-    <p:sldLayoutId id="2147483653" r:id="rId6"/>
-    <p:sldLayoutId id="2147483654" r:id="rId7"/>
-    <p:sldLayoutId id="2147483655" r:id="rId8"/>
-    <p:sldLayoutId id="2147483656" r:id="rId9"/>
-    <p:sldLayoutId id="2147483657" r:id="rId10"/>
-    <p:sldLayoutId id="2147483658" r:id="rId11"/>
-    <p:sldLayoutId id="2147483659" r:id="rId12"/>
+    <p:sldLayoutId id="2147483649" r:id="rId1"/>
+    <p:sldLayoutId id="2147483650" r:id="rId2"/>
+    <p:sldLayoutId id="2147483651" r:id="rId3"/>
+    <p:sldLayoutId id="2147483652" r:id="rId4"/>
+    <p:sldLayoutId id="2147483653" r:id="rId5"/>
+    <p:sldLayoutId id="2147483654" r:id="rId6"/>
+    <p:sldLayoutId id="2147483655" r:id="rId7"/>
+    <p:sldLayoutId id="2147483656" r:id="rId8"/>
+    <p:sldLayoutId id="2147483657" r:id="rId9"/>
+    <p:sldLayoutId id="2147483658" r:id="rId10"/>
+    <p:sldLayoutId id="2147483659" r:id="rId11"/>
   </p:sldLayoutIdLst>
-  <p:transition xmlns:p14="http://schemas.microsoft.com/office/powerpoint/2010/main" spd="med" advClick="1"/>
+  <p:transition spd="med"/>
   <p:txStyles>
     <p:titleStyle>
       <a:lvl1pPr marL="0" marR="0" indent="0" algn="l" defTabSz="914400" rtl="0" latinLnBrk="0">
@@ -2755,7 +2852,7 @@
         <a:buFontTx/>
         <a:buNone/>
         <a:tabLst/>
-        <a:defRPr b="1" baseline="0" cap="none" i="0" spc="0" strike="noStrike" sz="3400" u="none">
+        <a:defRPr sz="3400" b="1" i="0" u="none" strike="noStrike" cap="none" spc="0" baseline="0">
           <a:solidFill>
             <a:srgbClr val="1A1A1A"/>
           </a:solidFill>
@@ -2781,7 +2878,7 @@
         <a:buFontTx/>
         <a:buNone/>
         <a:tabLst/>
-        <a:defRPr b="1" baseline="0" cap="none" i="0" spc="0" strike="noStrike" sz="3400" u="none">
+        <a:defRPr sz="3400" b="1" i="0" u="none" strike="noStrike" cap="none" spc="0" baseline="0">
           <a:solidFill>
             <a:srgbClr val="1A1A1A"/>
           </a:solidFill>
@@ -2807,7 +2904,7 @@
         <a:buFontTx/>
         <a:buNone/>
         <a:tabLst/>
-        <a:defRPr b="1" baseline="0" cap="none" i="0" spc="0" strike="noStrike" sz="3400" u="none">
+        <a:defRPr sz="3400" b="1" i="0" u="none" strike="noStrike" cap="none" spc="0" baseline="0">
           <a:solidFill>
             <a:srgbClr val="1A1A1A"/>
           </a:solidFill>
@@ -2833,7 +2930,7 @@
         <a:buFontTx/>
         <a:buNone/>
         <a:tabLst/>
-        <a:defRPr b="1" baseline="0" cap="none" i="0" spc="0" strike="noStrike" sz="3400" u="none">
+        <a:defRPr sz="3400" b="1" i="0" u="none" strike="noStrike" cap="none" spc="0" baseline="0">
           <a:solidFill>
             <a:srgbClr val="1A1A1A"/>
           </a:solidFill>
@@ -2859,7 +2956,7 @@
         <a:buFontTx/>
         <a:buNone/>
         <a:tabLst/>
-        <a:defRPr b="1" baseline="0" cap="none" i="0" spc="0" strike="noStrike" sz="3400" u="none">
+        <a:defRPr sz="3400" b="1" i="0" u="none" strike="noStrike" cap="none" spc="0" baseline="0">
           <a:solidFill>
             <a:srgbClr val="1A1A1A"/>
           </a:solidFill>
@@ -2885,7 +2982,7 @@
         <a:buFontTx/>
         <a:buNone/>
         <a:tabLst/>
-        <a:defRPr b="1" baseline="0" cap="none" i="0" spc="0" strike="noStrike" sz="3400" u="none">
+        <a:defRPr sz="3400" b="1" i="0" u="none" strike="noStrike" cap="none" spc="0" baseline="0">
           <a:solidFill>
             <a:srgbClr val="1A1A1A"/>
           </a:solidFill>
@@ -2911,7 +3008,7 @@
         <a:buFontTx/>
         <a:buNone/>
         <a:tabLst/>
-        <a:defRPr b="1" baseline="0" cap="none" i="0" spc="0" strike="noStrike" sz="3400" u="none">
+        <a:defRPr sz="3400" b="1" i="0" u="none" strike="noStrike" cap="none" spc="0" baseline="0">
           <a:solidFill>
             <a:srgbClr val="1A1A1A"/>
           </a:solidFill>
@@ -2937,7 +3034,7 @@
         <a:buFontTx/>
         <a:buNone/>
         <a:tabLst/>
-        <a:defRPr b="1" baseline="0" cap="none" i="0" spc="0" strike="noStrike" sz="3400" u="none">
+        <a:defRPr sz="3400" b="1" i="0" u="none" strike="noStrike" cap="none" spc="0" baseline="0">
           <a:solidFill>
             <a:srgbClr val="1A1A1A"/>
           </a:solidFill>
@@ -2963,7 +3060,7 @@
         <a:buFontTx/>
         <a:buNone/>
         <a:tabLst/>
-        <a:defRPr b="1" baseline="0" cap="none" i="0" spc="0" strike="noStrike" sz="3400" u="none">
+        <a:defRPr sz="3400" b="1" i="0" u="none" strike="noStrike" cap="none" spc="0" baseline="0">
           <a:solidFill>
             <a:srgbClr val="1A1A1A"/>
           </a:solidFill>
@@ -2993,7 +3090,7 @@
         <a:buFont typeface="Helvetica"/>
         <a:buChar char="●"/>
         <a:tabLst/>
-        <a:defRPr b="0" baseline="0" cap="none" i="0" spc="0" strike="noStrike" sz="1300" u="none">
+        <a:defRPr sz="1300" b="0" i="0" u="none" strike="noStrike" cap="none" spc="0" baseline="0">
           <a:solidFill>
             <a:schemeClr val="accent1"/>
           </a:solidFill>
@@ -3021,7 +3118,7 @@
         <a:buFont typeface="Helvetica"/>
         <a:buChar char="○"/>
         <a:tabLst/>
-        <a:defRPr b="0" baseline="0" cap="none" i="0" spc="0" strike="noStrike" sz="1300" u="none">
+        <a:defRPr sz="1300" b="0" i="0" u="none" strike="noStrike" cap="none" spc="0" baseline="0">
           <a:solidFill>
             <a:schemeClr val="accent1"/>
           </a:solidFill>
@@ -3049,7 +3146,7 @@
         <a:buFont typeface="Helvetica"/>
         <a:buChar char="■"/>
         <a:tabLst/>
-        <a:defRPr b="0" baseline="0" cap="none" i="0" spc="0" strike="noStrike" sz="1300" u="none">
+        <a:defRPr sz="1300" b="0" i="0" u="none" strike="noStrike" cap="none" spc="0" baseline="0">
           <a:solidFill>
             <a:schemeClr val="accent1"/>
           </a:solidFill>
@@ -3077,7 +3174,7 @@
         <a:buFont typeface="Helvetica"/>
         <a:buChar char="●"/>
         <a:tabLst/>
-        <a:defRPr b="0" baseline="0" cap="none" i="0" spc="0" strike="noStrike" sz="1300" u="none">
+        <a:defRPr sz="1300" b="0" i="0" u="none" strike="noStrike" cap="none" spc="0" baseline="0">
           <a:solidFill>
             <a:schemeClr val="accent1"/>
           </a:solidFill>
@@ -3105,7 +3202,7 @@
         <a:buFont typeface="Helvetica"/>
         <a:buChar char="○"/>
         <a:tabLst/>
-        <a:defRPr b="0" baseline="0" cap="none" i="0" spc="0" strike="noStrike" sz="1300" u="none">
+        <a:defRPr sz="1300" b="0" i="0" u="none" strike="noStrike" cap="none" spc="0" baseline="0">
           <a:solidFill>
             <a:schemeClr val="accent1"/>
           </a:solidFill>
@@ -3133,7 +3230,7 @@
         <a:buFont typeface="Helvetica"/>
         <a:buChar char="■"/>
         <a:tabLst/>
-        <a:defRPr b="0" baseline="0" cap="none" i="0" spc="0" strike="noStrike" sz="1300" u="none">
+        <a:defRPr sz="1300" b="0" i="0" u="none" strike="noStrike" cap="none" spc="0" baseline="0">
           <a:solidFill>
             <a:schemeClr val="accent1"/>
           </a:solidFill>
@@ -3161,7 +3258,7 @@
         <a:buFont typeface="Helvetica"/>
         <a:buChar char="●"/>
         <a:tabLst/>
-        <a:defRPr b="0" baseline="0" cap="none" i="0" spc="0" strike="noStrike" sz="1300" u="none">
+        <a:defRPr sz="1300" b="0" i="0" u="none" strike="noStrike" cap="none" spc="0" baseline="0">
           <a:solidFill>
             <a:schemeClr val="accent1"/>
           </a:solidFill>
@@ -3189,7 +3286,7 @@
         <a:buFont typeface="Helvetica"/>
         <a:buChar char="○"/>
         <a:tabLst/>
-        <a:defRPr b="0" baseline="0" cap="none" i="0" spc="0" strike="noStrike" sz="1300" u="none">
+        <a:defRPr sz="1300" b="0" i="0" u="none" strike="noStrike" cap="none" spc="0" baseline="0">
           <a:solidFill>
             <a:schemeClr val="accent1"/>
           </a:solidFill>
@@ -3217,7 +3314,7 @@
         <a:buFont typeface="Helvetica"/>
         <a:buChar char="■"/>
         <a:tabLst/>
-        <a:defRPr b="0" baseline="0" cap="none" i="0" spc="0" strike="noStrike" sz="1300" u="none">
+        <a:defRPr sz="1300" b="0" i="0" u="none" strike="noStrike" cap="none" spc="0" baseline="0">
           <a:solidFill>
             <a:schemeClr val="accent1"/>
           </a:solidFill>
@@ -3245,7 +3342,7 @@
         <a:buFontTx/>
         <a:buNone/>
         <a:tabLst/>
-        <a:defRPr b="0" baseline="0" cap="none" i="0" spc="0" strike="noStrike" sz="1300" u="none">
+        <a:defRPr sz="1300" b="0" i="0" u="none" strike="noStrike" cap="none" spc="0" baseline="0">
           <a:solidFill>
             <a:schemeClr val="tx1"/>
           </a:solidFill>
@@ -3271,7 +3368,7 @@
         <a:buFontTx/>
         <a:buNone/>
         <a:tabLst/>
-        <a:defRPr b="0" baseline="0" cap="none" i="0" spc="0" strike="noStrike" sz="1300" u="none">
+        <a:defRPr sz="1300" b="0" i="0" u="none" strike="noStrike" cap="none" spc="0" baseline="0">
           <a:solidFill>
             <a:schemeClr val="tx1"/>
           </a:solidFill>
@@ -3297,7 +3394,7 @@
         <a:buFontTx/>
         <a:buNone/>
         <a:tabLst/>
-        <a:defRPr b="0" baseline="0" cap="none" i="0" spc="0" strike="noStrike" sz="1300" u="none">
+        <a:defRPr sz="1300" b="0" i="0" u="none" strike="noStrike" cap="none" spc="0" baseline="0">
           <a:solidFill>
             <a:schemeClr val="tx1"/>
           </a:solidFill>
@@ -3323,7 +3420,7 @@
         <a:buFontTx/>
         <a:buNone/>
         <a:tabLst/>
-        <a:defRPr b="0" baseline="0" cap="none" i="0" spc="0" strike="noStrike" sz="1300" u="none">
+        <a:defRPr sz="1300" b="0" i="0" u="none" strike="noStrike" cap="none" spc="0" baseline="0">
           <a:solidFill>
             <a:schemeClr val="tx1"/>
           </a:solidFill>
@@ -3349,7 +3446,7 @@
         <a:buFontTx/>
         <a:buNone/>
         <a:tabLst/>
-        <a:defRPr b="0" baseline="0" cap="none" i="0" spc="0" strike="noStrike" sz="1300" u="none">
+        <a:defRPr sz="1300" b="0" i="0" u="none" strike="noStrike" cap="none" spc="0" baseline="0">
           <a:solidFill>
             <a:schemeClr val="tx1"/>
           </a:solidFill>
@@ -3375,7 +3472,7 @@
         <a:buFontTx/>
         <a:buNone/>
         <a:tabLst/>
-        <a:defRPr b="0" baseline="0" cap="none" i="0" spc="0" strike="noStrike" sz="1300" u="none">
+        <a:defRPr sz="1300" b="0" i="0" u="none" strike="noStrike" cap="none" spc="0" baseline="0">
           <a:solidFill>
             <a:schemeClr val="tx1"/>
           </a:solidFill>
@@ -3401,7 +3498,7 @@
         <a:buFontTx/>
         <a:buNone/>
         <a:tabLst/>
-        <a:defRPr b="0" baseline="0" cap="none" i="0" spc="0" strike="noStrike" sz="1300" u="none">
+        <a:defRPr sz="1300" b="0" i="0" u="none" strike="noStrike" cap="none" spc="0" baseline="0">
           <a:solidFill>
             <a:schemeClr val="tx1"/>
           </a:solidFill>
@@ -3427,7 +3524,7 @@
         <a:buFontTx/>
         <a:buNone/>
         <a:tabLst/>
-        <a:defRPr b="0" baseline="0" cap="none" i="0" spc="0" strike="noStrike" sz="1300" u="none">
+        <a:defRPr sz="1300" b="0" i="0" u="none" strike="noStrike" cap="none" spc="0" baseline="0">
           <a:solidFill>
             <a:schemeClr val="tx1"/>
           </a:solidFill>
@@ -3453,7 +3550,7 @@
         <a:buFontTx/>
         <a:buNone/>
         <a:tabLst/>
-        <a:defRPr b="0" baseline="0" cap="none" i="0" spc="0" strike="noStrike" sz="1300" u="none">
+        <a:defRPr sz="1300" b="0" i="0" u="none" strike="noStrike" cap="none" spc="0" baseline="0">
           <a:solidFill>
             <a:schemeClr val="tx1"/>
           </a:solidFill>
@@ -3470,7 +3567,7 @@
 </file>
 
 <file path=ppt/slides/slide1.xml><?xml version="1.0" encoding="utf-8"?>
-<p:sld xmlns:a="http://schemas.openxmlformats.org/drawingml/2006/main" xmlns:r="http://schemas.openxmlformats.org/officeDocument/2006/relationships" xmlns:p="http://schemas.openxmlformats.org/presentationml/2006/main" xmlns:m="http://schemas.openxmlformats.org/officeDocument/2006/math" xmlns:a14="http://schemas.microsoft.com/office/drawing/2010/main" showMasterSp="1" showMasterPhAnim="1">
+<p:sld xmlns:a="http://schemas.openxmlformats.org/drawingml/2006/main" xmlns:r="http://schemas.openxmlformats.org/officeDocument/2006/relationships" xmlns:p="http://schemas.openxmlformats.org/presentationml/2006/main">
   <p:cSld>
     <p:spTree>
       <p:nvGrpSpPr>
@@ -3489,7 +3586,9 @@
       <p:sp>
         <p:nvSpPr>
           <p:cNvPr id="129" name="Google Shape;86;p13"/>
-          <p:cNvSpPr txBox="1"/>
+          <p:cNvSpPr txBox="1">
+            <a:spLocks noGrp="1"/>
+          </p:cNvSpPr>
           <p:nvPr>
             <p:ph type="ctrTitle"/>
           </p:nvPr>
@@ -3507,7 +3606,6 @@
           <a:bodyPr lIns="121899" tIns="121899" rIns="121899" bIns="121899"/>
           <a:lstStyle/>
           <a:p>
-            <a:pPr/>
             <a:r>
               <a:t>Bringing the Analog World to Digital Design</a:t>
             </a:r>
@@ -3517,7 +3615,9 @@
       <p:sp>
         <p:nvSpPr>
           <p:cNvPr id="130" name="Google Shape;87;p13"/>
-          <p:cNvSpPr txBox="1"/>
+          <p:cNvSpPr txBox="1">
+            <a:spLocks noGrp="1"/>
+          </p:cNvSpPr>
           <p:nvPr>
             <p:ph type="subTitle" sz="half" idx="1"/>
           </p:nvPr>
@@ -3562,6 +3662,7 @@
                 <a:sym typeface="Arial"/>
               </a:defRPr>
             </a:pPr>
+            <a:endParaRPr/>
           </a:p>
           <a:p>
             <a:pPr marL="0" indent="0">
@@ -3618,12 +3719,12 @@
   <p:clrMapOvr>
     <a:masterClrMapping/>
   </p:clrMapOvr>
-  <p:transition xmlns:p14="http://schemas.microsoft.com/office/powerpoint/2010/main" spd="med" advClick="1"/>
+  <p:transition spd="med"/>
 </p:sld>
 </file>
 
 <file path=ppt/slides/slide10.xml><?xml version="1.0" encoding="utf-8"?>
-<p:sld xmlns:a="http://schemas.openxmlformats.org/drawingml/2006/main" xmlns:r="http://schemas.openxmlformats.org/officeDocument/2006/relationships" xmlns:p="http://schemas.openxmlformats.org/presentationml/2006/main" xmlns:m="http://schemas.openxmlformats.org/officeDocument/2006/math" xmlns:a14="http://schemas.microsoft.com/office/drawing/2010/main" showMasterSp="1" showMasterPhAnim="1">
+<p:sld xmlns:a="http://schemas.openxmlformats.org/drawingml/2006/main" xmlns:r="http://schemas.openxmlformats.org/officeDocument/2006/relationships" xmlns:p="http://schemas.openxmlformats.org/presentationml/2006/main">
   <p:cSld>
     <p:spTree>
       <p:nvGrpSpPr>
@@ -3642,7 +3743,9 @@
       <p:sp>
         <p:nvSpPr>
           <p:cNvPr id="163" name="Title 1"/>
-          <p:cNvSpPr txBox="1"/>
+          <p:cNvSpPr txBox="1">
+            <a:spLocks noGrp="1"/>
+          </p:cNvSpPr>
           <p:nvPr>
             <p:ph type="title"/>
           </p:nvPr>
@@ -3660,7 +3763,6 @@
           <a:bodyPr/>
           <a:lstStyle/>
           <a:p>
-            <a:pPr/>
             <a:r>
               <a:t>What’s Going Well</a:t>
             </a:r>
@@ -3670,7 +3772,9 @@
       <p:sp>
         <p:nvSpPr>
           <p:cNvPr id="164" name="Text Placeholder 2"/>
-          <p:cNvSpPr txBox="1"/>
+          <p:cNvSpPr txBox="1">
+            <a:spLocks noGrp="1"/>
+          </p:cNvSpPr>
           <p:nvPr>
             <p:ph type="body" sz="half" idx="1"/>
           </p:nvPr>
@@ -3685,34 +3789,85 @@
           </a:prstGeom>
         </p:spPr>
         <p:txBody>
-          <a:bodyPr/>
+          <a:bodyPr>
+            <a:normAutofit fontScale="92500" lnSpcReduction="10000"/>
+          </a:bodyPr>
           <a:lstStyle/>
           <a:p>
             <a:pPr marL="609585" indent="-414856">
+              <a:lnSpc>
+                <a:spcPct val="200000"/>
+              </a:lnSpc>
               <a:buSzPts val="2000"/>
               <a:defRPr sz="2000"/>
             </a:pPr>
             <a:r>
+              <a:rPr dirty="0"/>
               <a:t>ADC code working</a:t>
             </a:r>
           </a:p>
           <a:p>
             <a:pPr marL="609585" indent="-414856">
+              <a:lnSpc>
+                <a:spcPct val="200000"/>
+              </a:lnSpc>
               <a:buSzPts val="2000"/>
               <a:defRPr sz="2000"/>
             </a:pPr>
             <a:r>
+              <a:rPr dirty="0"/>
               <a:t>Force sensitive resistors working</a:t>
             </a:r>
           </a:p>
           <a:p>
             <a:pPr marL="609585" indent="-414856">
+              <a:lnSpc>
+                <a:spcPct val="200000"/>
+              </a:lnSpc>
               <a:buSzPts val="2000"/>
               <a:defRPr sz="2000"/>
             </a:pPr>
             <a:r>
+              <a:rPr dirty="0"/>
               <a:t>Build a QSPI flash controller</a:t>
             </a:r>
+            <a:endParaRPr lang="en-US" dirty="0"/>
+          </a:p>
+          <a:p>
+            <a:pPr marL="609585" indent="-414856">
+              <a:lnSpc>
+                <a:spcPct val="200000"/>
+              </a:lnSpc>
+              <a:buSzPts val="2000"/>
+              <a:defRPr sz="2000"/>
+            </a:pPr>
+            <a:r>
+              <a:rPr lang="en-US" dirty="0"/>
+              <a:t>Game code works</a:t>
+            </a:r>
+          </a:p>
+          <a:p>
+            <a:pPr marL="609585" indent="-414856">
+              <a:lnSpc>
+                <a:spcPct val="200000"/>
+              </a:lnSpc>
+              <a:buSzPts val="2000"/>
+              <a:defRPr sz="2000"/>
+            </a:pPr>
+            <a:r>
+              <a:rPr lang="en-US" dirty="0"/>
+              <a:t>Game video is displaying over VGA</a:t>
+            </a:r>
+          </a:p>
+          <a:p>
+            <a:pPr marL="609585" indent="-414856">
+              <a:lnSpc>
+                <a:spcPct val="200000"/>
+              </a:lnSpc>
+              <a:buSzPts val="2000"/>
+              <a:defRPr sz="2000"/>
+            </a:pPr>
+            <a:endParaRPr dirty="0"/>
           </a:p>
         </p:txBody>
       </p:sp>
@@ -3721,12 +3876,12 @@
   <p:clrMapOvr>
     <a:masterClrMapping/>
   </p:clrMapOvr>
-  <p:transition xmlns:p14="http://schemas.microsoft.com/office/powerpoint/2010/main" spd="med" advClick="1"/>
+  <p:transition spd="med"/>
 </p:sld>
 </file>
 
 <file path=ppt/slides/slide11.xml><?xml version="1.0" encoding="utf-8"?>
-<p:sld xmlns:a="http://schemas.openxmlformats.org/drawingml/2006/main" xmlns:r="http://schemas.openxmlformats.org/officeDocument/2006/relationships" xmlns:p="http://schemas.openxmlformats.org/presentationml/2006/main" xmlns:m="http://schemas.openxmlformats.org/officeDocument/2006/math" xmlns:a14="http://schemas.microsoft.com/office/drawing/2010/main" showMasterSp="1" showMasterPhAnim="1">
+<p:sld xmlns:a="http://schemas.openxmlformats.org/drawingml/2006/main" xmlns:r="http://schemas.openxmlformats.org/officeDocument/2006/relationships" xmlns:p="http://schemas.openxmlformats.org/presentationml/2006/main">
   <p:cSld>
     <p:spTree>
       <p:nvGrpSpPr>
@@ -3745,7 +3900,9 @@
       <p:sp>
         <p:nvSpPr>
           <p:cNvPr id="166" name="Title 1"/>
-          <p:cNvSpPr txBox="1"/>
+          <p:cNvSpPr txBox="1">
+            <a:spLocks noGrp="1"/>
+          </p:cNvSpPr>
           <p:nvPr>
             <p:ph type="title"/>
           </p:nvPr>
@@ -3763,7 +3920,6 @@
           <a:bodyPr/>
           <a:lstStyle/>
           <a:p>
-            <a:pPr/>
             <a:r>
               <a:t>What’s Not Going Well</a:t>
             </a:r>
@@ -3773,7 +3929,9 @@
       <p:sp>
         <p:nvSpPr>
           <p:cNvPr id="167" name="Text Placeholder 2"/>
-          <p:cNvSpPr txBox="1"/>
+          <p:cNvSpPr txBox="1">
+            <a:spLocks noGrp="1"/>
+          </p:cNvSpPr>
           <p:nvPr>
             <p:ph type="body" sz="half" idx="1"/>
           </p:nvPr>
@@ -3792,21 +3950,34 @@
           <a:lstStyle/>
           <a:p>
             <a:pPr marL="609585" indent="-414856">
+              <a:lnSpc>
+                <a:spcPct val="200000"/>
+              </a:lnSpc>
               <a:buSzPts val="2000"/>
               <a:defRPr sz="2000"/>
             </a:pPr>
             <a:r>
+              <a:rPr dirty="0"/>
               <a:t>Need to make sensor output more differentiable.</a:t>
             </a:r>
           </a:p>
           <a:p>
             <a:pPr marL="609585" indent="-414856">
+              <a:lnSpc>
+                <a:spcPct val="200000"/>
+              </a:lnSpc>
               <a:buSzPts val="2000"/>
               <a:defRPr sz="2000"/>
             </a:pPr>
             <a:r>
+              <a:rPr dirty="0"/>
               <a:t>Invert the QSPI flash controller into game</a:t>
             </a:r>
+            <a:r>
+              <a:rPr lang="en-US" dirty="0"/>
+              <a:t>.</a:t>
+            </a:r>
+            <a:endParaRPr dirty="0"/>
           </a:p>
         </p:txBody>
       </p:sp>
@@ -3815,12 +3986,12 @@
   <p:clrMapOvr>
     <a:masterClrMapping/>
   </p:clrMapOvr>
-  <p:transition xmlns:p14="http://schemas.microsoft.com/office/powerpoint/2010/main" spd="med" advClick="1"/>
+  <p:transition spd="med"/>
 </p:sld>
 </file>
 
 <file path=ppt/slides/slide12.xml><?xml version="1.0" encoding="utf-8"?>
-<p:sld xmlns:a="http://schemas.openxmlformats.org/drawingml/2006/main" xmlns:r="http://schemas.openxmlformats.org/officeDocument/2006/relationships" xmlns:p="http://schemas.openxmlformats.org/presentationml/2006/main" xmlns:m="http://schemas.openxmlformats.org/officeDocument/2006/math" xmlns:a14="http://schemas.microsoft.com/office/drawing/2010/main" showMasterSp="1" showMasterPhAnim="1">
+<p:sld xmlns:a="http://schemas.openxmlformats.org/drawingml/2006/main" xmlns:r="http://schemas.openxmlformats.org/officeDocument/2006/relationships" xmlns:p="http://schemas.openxmlformats.org/presentationml/2006/main">
   <p:cSld>
     <p:spTree>
       <p:nvGrpSpPr>
@@ -3839,7 +4010,9 @@
       <p:sp>
         <p:nvSpPr>
           <p:cNvPr id="169" name="Google Shape;130;p20"/>
-          <p:cNvSpPr txBox="1"/>
+          <p:cNvSpPr txBox="1">
+            <a:spLocks noGrp="1"/>
+          </p:cNvSpPr>
           <p:nvPr>
             <p:ph type="title"/>
           </p:nvPr>
@@ -3854,14 +4027,15 @@
           </a:prstGeom>
         </p:spPr>
         <p:txBody>
-          <a:bodyPr lIns="121899" tIns="121899" rIns="121899" bIns="121899"/>
+          <a:bodyPr lIns="121899" tIns="121899" rIns="121899" bIns="121899">
+            <a:normAutofit fontScale="90000"/>
+          </a:bodyPr>
           <a:lstStyle>
             <a:lvl1pPr defTabSz="822959">
               <a:defRPr sz="3150"/>
             </a:lvl1pPr>
           </a:lstStyle>
           <a:p>
-            <a:pPr/>
             <a:r>
               <a:t>Timeline and Project Assignments </a:t>
             </a:r>
@@ -3871,7 +4045,9 @@
       <p:sp>
         <p:nvSpPr>
           <p:cNvPr id="170" name="Google Shape;131;p20"/>
-          <p:cNvSpPr txBox="1"/>
+          <p:cNvSpPr txBox="1">
+            <a:spLocks noGrp="1"/>
+          </p:cNvSpPr>
           <p:nvPr>
             <p:ph type="body" idx="1"/>
           </p:nvPr>
@@ -3898,7 +4074,7 @@
             </a:r>
           </a:p>
           <a:p>
-            <a:pPr lvl="1" marL="1182594" indent="-394198" defTabSz="886968">
+            <a:pPr marL="1182594" lvl="1" indent="-394198" defTabSz="886968">
               <a:buSzPts val="1500"/>
               <a:defRPr sz="1552"/>
             </a:pPr>
@@ -3915,7 +4091,7 @@
             </a:r>
           </a:p>
           <a:p>
-            <a:pPr lvl="1" marL="1182594" indent="-394198" defTabSz="886968">
+            <a:pPr marL="1182594" lvl="1" indent="-394198" defTabSz="886968">
               <a:buSzPts val="1500"/>
               <a:defRPr sz="1552"/>
             </a:pPr>
@@ -3932,7 +4108,7 @@
             </a:r>
           </a:p>
           <a:p>
-            <a:pPr lvl="1" marL="1182594" indent="-394198" defTabSz="886968">
+            <a:pPr marL="1182594" lvl="1" indent="-394198" defTabSz="886968">
               <a:buSzPts val="1500"/>
               <a:defRPr sz="1552"/>
             </a:pPr>
@@ -3958,7 +4134,7 @@
             </a:r>
           </a:p>
           <a:p>
-            <a:pPr lvl="1" marL="1182594" indent="-394198" defTabSz="886968">
+            <a:pPr marL="1182594" lvl="1" indent="-394198" defTabSz="886968">
               <a:buSzPts val="1500"/>
               <a:defRPr sz="1552"/>
             </a:pPr>
@@ -3975,7 +4151,7 @@
             </a:r>
           </a:p>
           <a:p>
-            <a:pPr lvl="1" marL="1182594" indent="-394198" defTabSz="886968">
+            <a:pPr marL="1182594" lvl="1" indent="-394198" defTabSz="886968">
               <a:buSzPts val="1500"/>
               <a:defRPr sz="1552"/>
             </a:pPr>
@@ -3992,7 +4168,7 @@
             </a:r>
           </a:p>
           <a:p>
-            <a:pPr lvl="1" marL="1182594" indent="-394198" defTabSz="886968">
+            <a:pPr marL="1182594" lvl="1" indent="-394198" defTabSz="886968">
               <a:buSzPts val="1500"/>
               <a:defRPr sz="1552"/>
             </a:pPr>
@@ -4009,7 +4185,7 @@
             </a:r>
           </a:p>
           <a:p>
-            <a:pPr lvl="1" marL="1182594" indent="-394198" defTabSz="886968">
+            <a:pPr marL="1182594" lvl="1" indent="-394198" defTabSz="886968">
               <a:buSzPts val="1500"/>
               <a:defRPr sz="1552"/>
             </a:pPr>
@@ -4024,11 +4200,6 @@
               </a:rPr>
               <a:t>Complete</a:t>
             </a:r>
-            <a:endParaRPr>
-              <a:solidFill>
-                <a:srgbClr val="00B050"/>
-              </a:solidFill>
-            </a:endParaRPr>
           </a:p>
           <a:p>
             <a:pPr marL="591297" indent="-410623" defTabSz="886968">
@@ -4040,7 +4211,7 @@
             </a:r>
           </a:p>
           <a:p>
-            <a:pPr lvl="1" marL="1182594" indent="-394198" defTabSz="886968">
+            <a:pPr marL="1182594" lvl="1" indent="-394198" defTabSz="886968">
               <a:buSzPts val="1500"/>
               <a:defRPr sz="1552"/>
             </a:pPr>
@@ -4057,7 +4228,7 @@
             </a:r>
           </a:p>
           <a:p>
-            <a:pPr lvl="1" marL="1182594" indent="-394198" defTabSz="886968">
+            <a:pPr marL="1182594" lvl="1" indent="-394198" defTabSz="886968">
               <a:buSzPts val="1500"/>
               <a:defRPr sz="1552"/>
             </a:pPr>
@@ -4074,7 +4245,7 @@
             </a:r>
           </a:p>
           <a:p>
-            <a:pPr lvl="1" marL="1182594" indent="-394198" defTabSz="886968">
+            <a:pPr marL="1182594" lvl="1" indent="-394198" defTabSz="886968">
               <a:buSzPts val="1500"/>
               <a:defRPr sz="1552"/>
             </a:pPr>
@@ -4097,12 +4268,12 @@
   <p:clrMapOvr>
     <a:masterClrMapping/>
   </p:clrMapOvr>
-  <p:transition xmlns:p14="http://schemas.microsoft.com/office/powerpoint/2010/main" spd="med" advClick="1"/>
+  <p:transition spd="med"/>
 </p:sld>
 </file>
 
 <file path=ppt/slides/slide13.xml><?xml version="1.0" encoding="utf-8"?>
-<p:sld xmlns:a="http://schemas.openxmlformats.org/drawingml/2006/main" xmlns:r="http://schemas.openxmlformats.org/officeDocument/2006/relationships" xmlns:p="http://schemas.openxmlformats.org/presentationml/2006/main" xmlns:m="http://schemas.openxmlformats.org/officeDocument/2006/math" xmlns:a14="http://schemas.microsoft.com/office/drawing/2010/main" showMasterSp="1" showMasterPhAnim="1">
+<p:sld xmlns:a="http://schemas.openxmlformats.org/drawingml/2006/main" xmlns:r="http://schemas.openxmlformats.org/officeDocument/2006/relationships" xmlns:p="http://schemas.openxmlformats.org/presentationml/2006/main">
   <p:cSld>
     <p:spTree>
       <p:nvGrpSpPr>
@@ -4121,7 +4292,9 @@
       <p:sp>
         <p:nvSpPr>
           <p:cNvPr id="172" name="Title 1"/>
-          <p:cNvSpPr txBox="1"/>
+          <p:cNvSpPr txBox="1">
+            <a:spLocks noGrp="1"/>
+          </p:cNvSpPr>
           <p:nvPr>
             <p:ph type="title"/>
           </p:nvPr>
@@ -4139,7 +4312,6 @@
           <a:bodyPr/>
           <a:lstStyle/>
           <a:p>
-            <a:pPr/>
             <a:r>
               <a:t>Path Forward</a:t>
             </a:r>
@@ -4149,7 +4321,9 @@
       <p:sp>
         <p:nvSpPr>
           <p:cNvPr id="173" name="Text Placeholder 2"/>
-          <p:cNvSpPr txBox="1"/>
+          <p:cNvSpPr txBox="1">
+            <a:spLocks noGrp="1"/>
+          </p:cNvSpPr>
           <p:nvPr>
             <p:ph type="body" sz="half" idx="1"/>
           </p:nvPr>
@@ -4164,7 +4338,9 @@
           </a:prstGeom>
         </p:spPr>
         <p:txBody>
-          <a:bodyPr/>
+          <a:bodyPr>
+            <a:normAutofit fontScale="92500" lnSpcReduction="20000"/>
+          </a:bodyPr>
           <a:lstStyle/>
           <a:p>
             <a:pPr indent="-423322">
@@ -4175,17 +4351,48 @@
               <a:defRPr sz="1800"/>
             </a:pPr>
             <a:r>
+              <a:rPr dirty="0"/>
               <a:t>Game Code Base [Bin Xu]</a:t>
             </a:r>
           </a:p>
           <a:p>
-            <a:pPr lvl="1" marL="1219169" indent="-406390">
+            <a:pPr marL="1219169" lvl="1" indent="-406390">
               <a:spcBef>
                 <a:spcPts val="100"/>
               </a:spcBef>
               <a:buSzPts val="1600"/>
               <a:defRPr sz="1600"/>
             </a:pPr>
+            <a:r>
+              <a:rPr lang="en-US" dirty="0"/>
+              <a:t>Change out button input for ADC output [11/11]</a:t>
+            </a:r>
+          </a:p>
+          <a:p>
+            <a:pPr marL="1828753" lvl="2" indent="-406390">
+              <a:spcBef>
+                <a:spcPts val="100"/>
+              </a:spcBef>
+              <a:buSzPts val="1600"/>
+              <a:defRPr sz="1600"/>
+            </a:pPr>
+            <a:r>
+              <a:rPr lang="en-US" dirty="0"/>
+              <a:t>Start with simple threshold and maintain single step of paddle</a:t>
+            </a:r>
+          </a:p>
+          <a:p>
+            <a:pPr marL="1219169" lvl="1" indent="-406390">
+              <a:spcBef>
+                <a:spcPts val="100"/>
+              </a:spcBef>
+              <a:buSzPts val="1600"/>
+              <a:defRPr sz="1600"/>
+            </a:pPr>
+            <a:r>
+              <a:rPr lang="en-US" dirty="0"/>
+              <a:t>Change from single step to step proportional to ADC output [11/18]</a:t>
+            </a:r>
           </a:p>
           <a:p>
             <a:pPr indent="-423322">
@@ -4196,11 +4403,12 @@
               <a:defRPr sz="1800"/>
             </a:pPr>
             <a:r>
+              <a:rPr dirty="0"/>
               <a:t>ADC [Conor N]</a:t>
             </a:r>
           </a:p>
           <a:p>
-            <a:pPr lvl="1" marL="1219169" indent="-406390">
+            <a:pPr marL="1219169" lvl="1" indent="-406390">
               <a:spcBef>
                 <a:spcPts val="100"/>
               </a:spcBef>
@@ -4208,12 +4416,13 @@
               <a:defRPr sz="1600"/>
             </a:pPr>
             <a:r>
+              <a:rPr dirty="0"/>
               <a:t>Figure out how to make measurements more differentiable [11/4]</a:t>
             </a:r>
-            <a:endParaRPr sz="1100"/>
-          </a:p>
-          <a:p>
-            <a:pPr lvl="2" marL="1828754" indent="-406390">
+            <a:endParaRPr sz="1100" dirty="0"/>
+          </a:p>
+          <a:p>
+            <a:pPr marL="1828754" lvl="2" indent="-406390">
               <a:spcBef>
                 <a:spcPts val="100"/>
               </a:spcBef>
@@ -4221,12 +4430,13 @@
               <a:defRPr sz="1600"/>
             </a:pPr>
             <a:r>
+              <a:rPr dirty="0"/>
               <a:t>Likely replace with a load cell but in the mean time, try to find an EE solution</a:t>
             </a:r>
-            <a:endParaRPr sz="1100"/>
-          </a:p>
-          <a:p>
-            <a:pPr lvl="1" marL="1219169" indent="-406390">
+            <a:endParaRPr sz="1100" dirty="0"/>
+          </a:p>
+          <a:p>
+            <a:pPr marL="1219169" lvl="1" indent="-406390">
               <a:spcBef>
                 <a:spcPts val="100"/>
               </a:spcBef>
@@ -4234,12 +4444,13 @@
               <a:defRPr sz="1600"/>
             </a:pPr>
             <a:r>
+              <a:rPr dirty="0"/>
               <a:t>Characterize measurement repeatability, fidelity [11/9]</a:t>
             </a:r>
-            <a:endParaRPr sz="1100"/>
-          </a:p>
-          <a:p>
-            <a:pPr lvl="1" marL="1219169" indent="-406390">
+            <a:endParaRPr sz="1100" dirty="0"/>
+          </a:p>
+          <a:p>
+            <a:pPr marL="1219169" lvl="1" indent="-406390">
               <a:spcBef>
                 <a:spcPts val="100"/>
               </a:spcBef>
@@ -4247,9 +4458,10 @@
               <a:defRPr sz="1600"/>
             </a:pPr>
             <a:r>
+              <a:rPr dirty="0"/>
               <a:t>Finalize gameplay setup and demonstrate functionality [11/18]</a:t>
             </a:r>
-            <a:endParaRPr sz="1100"/>
+            <a:endParaRPr sz="1100" dirty="0"/>
           </a:p>
           <a:p>
             <a:pPr indent="-423322">
@@ -4260,11 +4472,20 @@
               <a:defRPr sz="1800"/>
             </a:pPr>
             <a:r>
-              <a:t>Quad SPI Flash [Yimin Xu]</a:t>
-            </a:r>
-          </a:p>
-          <a:p>
-            <a:pPr lvl="1" marL="1236102" indent="-423322">
+              <a:rPr dirty="0"/>
+              <a:t>Quad SPI Flash [</a:t>
+            </a:r>
+            <a:r>
+              <a:rPr dirty="0" err="1"/>
+              <a:t>Yimin</a:t>
+            </a:r>
+            <a:r>
+              <a:rPr dirty="0"/>
+              <a:t> Xu]</a:t>
+            </a:r>
+          </a:p>
+          <a:p>
+            <a:pPr marL="1236102" lvl="1" indent="-423322">
               <a:spcBef>
                 <a:spcPts val="100"/>
               </a:spcBef>
@@ -4273,6 +4494,7 @@
               <a:defRPr sz="1800"/>
             </a:pPr>
             <a:r>
+              <a:rPr dirty="0"/>
               <a:t>Combine the flash controller into game memory</a:t>
             </a:r>
           </a:p>
@@ -4283,12 +4505,12 @@
   <p:clrMapOvr>
     <a:masterClrMapping/>
   </p:clrMapOvr>
-  <p:transition xmlns:p14="http://schemas.microsoft.com/office/powerpoint/2010/main" spd="med" advClick="1"/>
+  <p:transition spd="med"/>
 </p:sld>
 </file>
 
 <file path=ppt/slides/slide2.xml><?xml version="1.0" encoding="utf-8"?>
-<p:sld xmlns:a="http://schemas.openxmlformats.org/drawingml/2006/main" xmlns:r="http://schemas.openxmlformats.org/officeDocument/2006/relationships" xmlns:p="http://schemas.openxmlformats.org/presentationml/2006/main" xmlns:m="http://schemas.openxmlformats.org/officeDocument/2006/math" xmlns:a14="http://schemas.microsoft.com/office/drawing/2010/main" showMasterSp="1" showMasterPhAnim="1">
+<p:sld xmlns:a="http://schemas.openxmlformats.org/drawingml/2006/main" xmlns:r="http://schemas.openxmlformats.org/officeDocument/2006/relationships" xmlns:p="http://schemas.openxmlformats.org/presentationml/2006/main">
   <p:cSld>
     <p:spTree>
       <p:nvGrpSpPr>
@@ -4307,7 +4529,9 @@
       <p:sp>
         <p:nvSpPr>
           <p:cNvPr id="132" name="Google Shape;130;p20"/>
-          <p:cNvSpPr txBox="1"/>
+          <p:cNvSpPr txBox="1">
+            <a:spLocks noGrp="1"/>
+          </p:cNvSpPr>
           <p:nvPr>
             <p:ph type="title"/>
           </p:nvPr>
@@ -4322,14 +4546,15 @@
           </a:prstGeom>
         </p:spPr>
         <p:txBody>
-          <a:bodyPr lIns="121899" tIns="121899" rIns="121899" bIns="121899"/>
+          <a:bodyPr lIns="121899" tIns="121899" rIns="121899" bIns="121899">
+            <a:normAutofit fontScale="90000"/>
+          </a:bodyPr>
           <a:lstStyle>
             <a:lvl1pPr defTabSz="822959">
               <a:defRPr sz="3150"/>
             </a:lvl1pPr>
           </a:lstStyle>
           <a:p>
-            <a:pPr/>
             <a:r>
               <a:t>Goal</a:t>
             </a:r>
@@ -4339,7 +4564,9 @@
       <p:sp>
         <p:nvSpPr>
           <p:cNvPr id="133" name="Google Shape;131;p20"/>
-          <p:cNvSpPr txBox="1"/>
+          <p:cNvSpPr txBox="1">
+            <a:spLocks noGrp="1"/>
+          </p:cNvSpPr>
           <p:nvPr>
             <p:ph type="body" idx="1"/>
           </p:nvPr>
@@ -4423,12 +4650,12 @@
   <p:clrMapOvr>
     <a:masterClrMapping/>
   </p:clrMapOvr>
-  <p:transition xmlns:p14="http://schemas.microsoft.com/office/powerpoint/2010/main" spd="med" advClick="1"/>
+  <p:transition spd="med"/>
 </p:sld>
 </file>
 
 <file path=ppt/slides/slide3.xml><?xml version="1.0" encoding="utf-8"?>
-<p:sld xmlns:a="http://schemas.openxmlformats.org/drawingml/2006/main" xmlns:r="http://schemas.openxmlformats.org/officeDocument/2006/relationships" xmlns:p="http://schemas.openxmlformats.org/presentationml/2006/main" xmlns:m="http://schemas.openxmlformats.org/officeDocument/2006/math" xmlns:a14="http://schemas.microsoft.com/office/drawing/2010/main" showMasterSp="1" showMasterPhAnim="1">
+<p:sld xmlns:a="http://schemas.openxmlformats.org/drawingml/2006/main" xmlns:r="http://schemas.openxmlformats.org/officeDocument/2006/relationships" xmlns:p="http://schemas.openxmlformats.org/presentationml/2006/main">
   <p:cSld>
     <p:spTree>
       <p:nvGrpSpPr>
@@ -4447,7 +4674,9 @@
       <p:sp>
         <p:nvSpPr>
           <p:cNvPr id="135" name="Google Shape;104;p16"/>
-          <p:cNvSpPr txBox="1"/>
+          <p:cNvSpPr txBox="1">
+            <a:spLocks noGrp="1"/>
+          </p:cNvSpPr>
           <p:nvPr>
             <p:ph type="title"/>
           </p:nvPr>
@@ -4462,14 +4691,15 @@
           </a:prstGeom>
         </p:spPr>
         <p:txBody>
-          <a:bodyPr lIns="121899" tIns="121899" rIns="121899" bIns="121899"/>
+          <a:bodyPr lIns="121899" tIns="121899" rIns="121899" bIns="121899">
+            <a:normAutofit fontScale="90000"/>
+          </a:bodyPr>
           <a:lstStyle>
             <a:lvl1pPr defTabSz="850391">
               <a:defRPr sz="3162"/>
             </a:lvl1pPr>
           </a:lstStyle>
           <a:p>
-            <a:pPr/>
             <a:r>
               <a:t>High Level Diagram</a:t>
             </a:r>
@@ -4485,9 +4715,7 @@
           <p:nvPr/>
         </p:nvPicPr>
         <p:blipFill>
-          <a:blip r:embed="rId2">
-            <a:extLst/>
-          </a:blip>
+          <a:blip r:embed="rId2"/>
           <a:stretch>
             <a:fillRect/>
           </a:stretch>
@@ -4514,9 +4742,7 @@
           <p:nvPr/>
         </p:nvPicPr>
         <p:blipFill>
-          <a:blip r:embed="rId3">
-            <a:extLst/>
-          </a:blip>
+          <a:blip r:embed="rId3"/>
           <a:stretch>
             <a:fillRect/>
           </a:stretch>
@@ -4539,12 +4765,12 @@
   <p:clrMapOvr>
     <a:masterClrMapping/>
   </p:clrMapOvr>
-  <p:transition xmlns:p14="http://schemas.microsoft.com/office/powerpoint/2010/main" spd="med" advClick="1"/>
+  <p:transition spd="med"/>
 </p:sld>
 </file>
 
 <file path=ppt/slides/slide4.xml><?xml version="1.0" encoding="utf-8"?>
-<p:sld xmlns:a="http://schemas.openxmlformats.org/drawingml/2006/main" xmlns:r="http://schemas.openxmlformats.org/officeDocument/2006/relationships" xmlns:p="http://schemas.openxmlformats.org/presentationml/2006/main" xmlns:m="http://schemas.openxmlformats.org/officeDocument/2006/math" xmlns:a14="http://schemas.microsoft.com/office/drawing/2010/main" showMasterSp="1" showMasterPhAnim="1">
+<p:sld xmlns:a="http://schemas.openxmlformats.org/drawingml/2006/main" xmlns:r="http://schemas.openxmlformats.org/officeDocument/2006/relationships" xmlns:p="http://schemas.openxmlformats.org/presentationml/2006/main">
   <p:cSld>
     <p:spTree>
       <p:nvGrpSpPr>
@@ -4563,7 +4789,9 @@
       <p:sp>
         <p:nvSpPr>
           <p:cNvPr id="139" name="Title 1"/>
-          <p:cNvSpPr txBox="1"/>
+          <p:cNvSpPr txBox="1">
+            <a:spLocks noGrp="1"/>
+          </p:cNvSpPr>
           <p:nvPr>
             <p:ph type="title"/>
           </p:nvPr>
@@ -4581,7 +4809,6 @@
           <a:bodyPr/>
           <a:lstStyle/>
           <a:p>
-            <a:pPr/>
             <a:r>
               <a:t>Demo Clarification</a:t>
             </a:r>
@@ -4591,7 +4818,9 @@
       <p:sp>
         <p:nvSpPr>
           <p:cNvPr id="140" name="Text Placeholder 2"/>
-          <p:cNvSpPr txBox="1"/>
+          <p:cNvSpPr txBox="1">
+            <a:spLocks noGrp="1"/>
+          </p:cNvSpPr>
           <p:nvPr>
             <p:ph type="body" idx="1"/>
           </p:nvPr>
@@ -4636,7 +4865,7 @@
             </a:r>
           </a:p>
           <a:p>
-            <a:pPr lvl="1" marL="1219169" indent="-397922">
+            <a:pPr marL="1219169" lvl="1" indent="-397922">
               <a:lnSpc>
                 <a:spcPct val="150000"/>
               </a:lnSpc>
@@ -4664,7 +4893,7 @@
             </a:r>
           </a:p>
           <a:p>
-            <a:pPr lvl="1" marL="1219169" indent="-397922">
+            <a:pPr marL="1219169" lvl="1" indent="-397922">
               <a:lnSpc>
                 <a:spcPct val="150000"/>
               </a:lnSpc>
@@ -4677,7 +4906,7 @@
             <a:endParaRPr sz="1100"/>
           </a:p>
           <a:p>
-            <a:pPr lvl="1" marL="1219169" indent="-397922">
+            <a:pPr marL="1219169" lvl="1" indent="-397922">
               <a:lnSpc>
                 <a:spcPct val="150000"/>
               </a:lnSpc>
@@ -4705,7 +4934,7 @@
             </a:r>
           </a:p>
           <a:p>
-            <a:pPr lvl="1" marL="1219169" indent="-397922">
+            <a:pPr marL="1219169" lvl="1" indent="-397922">
               <a:lnSpc>
                 <a:spcPct val="150000"/>
               </a:lnSpc>
@@ -4723,12 +4952,12 @@
   <p:clrMapOvr>
     <a:masterClrMapping/>
   </p:clrMapOvr>
-  <p:transition xmlns:p14="http://schemas.microsoft.com/office/powerpoint/2010/main" spd="med" advClick="1"/>
+  <p:transition spd="med"/>
 </p:sld>
 </file>
 
 <file path=ppt/slides/slide5.xml><?xml version="1.0" encoding="utf-8"?>
-<p:sld xmlns:a="http://schemas.openxmlformats.org/drawingml/2006/main" xmlns:r="http://schemas.openxmlformats.org/officeDocument/2006/relationships" xmlns:p="http://schemas.openxmlformats.org/presentationml/2006/main" xmlns:m="http://schemas.openxmlformats.org/officeDocument/2006/math" xmlns:a14="http://schemas.microsoft.com/office/drawing/2010/main" showMasterSp="1" showMasterPhAnim="1">
+<p:sld xmlns:a="http://schemas.openxmlformats.org/drawingml/2006/main" xmlns:r="http://schemas.openxmlformats.org/officeDocument/2006/relationships" xmlns:p="http://schemas.openxmlformats.org/presentationml/2006/main">
   <p:cSld>
     <p:spTree>
       <p:nvGrpSpPr>
@@ -4747,7 +4976,9 @@
       <p:sp>
         <p:nvSpPr>
           <p:cNvPr id="142" name="Title 1"/>
-          <p:cNvSpPr txBox="1"/>
+          <p:cNvSpPr txBox="1">
+            <a:spLocks noGrp="1"/>
+          </p:cNvSpPr>
           <p:nvPr>
             <p:ph type="title"/>
           </p:nvPr>
@@ -4765,7 +4996,6 @@
           <a:bodyPr/>
           <a:lstStyle/>
           <a:p>
-            <a:pPr/>
             <a:r>
               <a:t>Pong game</a:t>
             </a:r>
@@ -4775,7 +5005,9 @@
       <p:sp>
         <p:nvSpPr>
           <p:cNvPr id="143" name="Text Placeholder 2"/>
-          <p:cNvSpPr txBox="1"/>
+          <p:cNvSpPr txBox="1">
+            <a:spLocks noGrp="1"/>
+          </p:cNvSpPr>
           <p:nvPr>
             <p:ph type="body" sz="half" idx="1"/>
           </p:nvPr>
@@ -4878,9 +5110,7 @@
           <p:nvPr/>
         </p:nvPicPr>
         <p:blipFill>
-          <a:blip r:embed="rId2">
-            <a:extLst/>
-          </a:blip>
+          <a:blip r:embed="rId2"/>
           <a:stretch>
             <a:fillRect/>
           </a:stretch>
@@ -4907,9 +5137,7 @@
           <p:nvPr/>
         </p:nvPicPr>
         <p:blipFill>
-          <a:blip r:embed="rId3">
-            <a:extLst/>
-          </a:blip>
+          <a:blip r:embed="rId3"/>
           <a:stretch>
             <a:fillRect/>
           </a:stretch>
@@ -4932,12 +5160,12 @@
   <p:clrMapOvr>
     <a:masterClrMapping/>
   </p:clrMapOvr>
-  <p:transition xmlns:p14="http://schemas.microsoft.com/office/powerpoint/2010/main" spd="med" advClick="1"/>
+  <p:transition spd="med"/>
 </p:sld>
 </file>
 
 <file path=ppt/slides/slide6.xml><?xml version="1.0" encoding="utf-8"?>
-<p:sld xmlns:a="http://schemas.openxmlformats.org/drawingml/2006/main" xmlns:r="http://schemas.openxmlformats.org/officeDocument/2006/relationships" xmlns:p="http://schemas.openxmlformats.org/presentationml/2006/main" xmlns:m="http://schemas.openxmlformats.org/officeDocument/2006/math" xmlns:a14="http://schemas.microsoft.com/office/drawing/2010/main" showMasterSp="1" showMasterPhAnim="1">
+<p:sld xmlns:a="http://schemas.openxmlformats.org/drawingml/2006/main" xmlns:r="http://schemas.openxmlformats.org/officeDocument/2006/relationships" xmlns:p="http://schemas.openxmlformats.org/presentationml/2006/main">
   <p:cSld>
     <p:spTree>
       <p:nvGrpSpPr>
@@ -4956,7 +5184,9 @@
       <p:sp>
         <p:nvSpPr>
           <p:cNvPr id="147" name="Title 1"/>
-          <p:cNvSpPr txBox="1"/>
+          <p:cNvSpPr txBox="1">
+            <a:spLocks noGrp="1"/>
+          </p:cNvSpPr>
           <p:nvPr>
             <p:ph type="title"/>
           </p:nvPr>
@@ -4974,7 +5204,6 @@
           <a:bodyPr/>
           <a:lstStyle/>
           <a:p>
-            <a:pPr/>
             <a:r>
               <a:t>Diagram of Game</a:t>
             </a:r>
@@ -4990,9 +5219,7 @@
           <p:nvPr/>
         </p:nvPicPr>
         <p:blipFill>
-          <a:blip r:embed="rId2">
-            <a:extLst/>
-          </a:blip>
+          <a:blip r:embed="rId2"/>
           <a:stretch>
             <a:fillRect/>
           </a:stretch>
@@ -5015,12 +5242,12 @@
   <p:clrMapOvr>
     <a:masterClrMapping/>
   </p:clrMapOvr>
-  <p:transition xmlns:p14="http://schemas.microsoft.com/office/powerpoint/2010/main" spd="med" advClick="1"/>
+  <p:transition spd="med"/>
 </p:sld>
 </file>
 
 <file path=ppt/slides/slide7.xml><?xml version="1.0" encoding="utf-8"?>
-<p:sld xmlns:a="http://schemas.openxmlformats.org/drawingml/2006/main" xmlns:r="http://schemas.openxmlformats.org/officeDocument/2006/relationships" xmlns:p="http://schemas.openxmlformats.org/presentationml/2006/main" xmlns:m="http://schemas.openxmlformats.org/officeDocument/2006/math" xmlns:a14="http://schemas.microsoft.com/office/drawing/2010/main" showMasterSp="1" showMasterPhAnim="1">
+<p:sld xmlns:a="http://schemas.openxmlformats.org/drawingml/2006/main" xmlns:r="http://schemas.openxmlformats.org/officeDocument/2006/relationships" xmlns:p="http://schemas.openxmlformats.org/presentationml/2006/main">
   <p:cSld>
     <p:spTree>
       <p:nvGrpSpPr>
@@ -5039,7 +5266,9 @@
       <p:sp>
         <p:nvSpPr>
           <p:cNvPr id="150" name="Title 1"/>
-          <p:cNvSpPr txBox="1"/>
+          <p:cNvSpPr txBox="1">
+            <a:spLocks noGrp="1"/>
+          </p:cNvSpPr>
           <p:nvPr>
             <p:ph type="title"/>
           </p:nvPr>
@@ -5057,7 +5286,6 @@
           <a:bodyPr/>
           <a:lstStyle/>
           <a:p>
-            <a:pPr/>
             <a:r>
               <a:t>Game Input Discussion</a:t>
             </a:r>
@@ -5067,7 +5295,9 @@
       <p:sp>
         <p:nvSpPr>
           <p:cNvPr id="151" name="Text Placeholder 2"/>
-          <p:cNvSpPr txBox="1"/>
+          <p:cNvSpPr txBox="1">
+            <a:spLocks noGrp="1"/>
+          </p:cNvSpPr>
           <p:nvPr>
             <p:ph type="body" sz="quarter" idx="1"/>
           </p:nvPr>
@@ -5119,9 +5349,7 @@
           <p:nvPr/>
         </p:nvPicPr>
         <p:blipFill>
-          <a:blip r:embed="rId2">
-            <a:extLst/>
-          </a:blip>
+          <a:blip r:embed="rId2"/>
           <a:stretch>
             <a:fillRect/>
           </a:stretch>
@@ -5144,12 +5372,12 @@
   <p:clrMapOvr>
     <a:masterClrMapping/>
   </p:clrMapOvr>
-  <p:transition xmlns:p14="http://schemas.microsoft.com/office/powerpoint/2010/main" spd="med" advClick="1"/>
+  <p:transition spd="med"/>
 </p:sld>
 </file>
 
 <file path=ppt/slides/slide8.xml><?xml version="1.0" encoding="utf-8"?>
-<p:sld xmlns:a="http://schemas.openxmlformats.org/drawingml/2006/main" xmlns:r="http://schemas.openxmlformats.org/officeDocument/2006/relationships" xmlns:p="http://schemas.openxmlformats.org/presentationml/2006/main" xmlns:m="http://schemas.openxmlformats.org/officeDocument/2006/math" xmlns:a14="http://schemas.microsoft.com/office/drawing/2010/main" showMasterSp="1" showMasterPhAnim="1">
+<p:sld xmlns:a="http://schemas.openxmlformats.org/drawingml/2006/main" xmlns:r="http://schemas.openxmlformats.org/officeDocument/2006/relationships" xmlns:p="http://schemas.openxmlformats.org/presentationml/2006/main">
   <p:cSld>
     <p:spTree>
       <p:nvGrpSpPr>
@@ -5167,77 +5395,48 @@
       </p:grpSpPr>
       <p:sp>
         <p:nvSpPr>
-          <p:cNvPr id="154" name="Title 1"/>
-          <p:cNvSpPr txBox="1"/>
+          <p:cNvPr id="2" name="Title 1">
+            <a:extLst>
+              <a:ext uri="{FF2B5EF4-FFF2-40B4-BE49-F238E27FC236}">
+                <a16:creationId xmlns:a16="http://schemas.microsoft.com/office/drawing/2014/main" id="{D177188F-F50F-4CD3-BE0D-AA0BB281C1B0}"/>
+              </a:ext>
+            </a:extLst>
+          </p:cNvPr>
+          <p:cNvSpPr>
+            <a:spLocks noGrp="1"/>
+          </p:cNvSpPr>
           <p:nvPr>
             <p:ph type="title"/>
           </p:nvPr>
         </p:nvSpPr>
-        <p:spPr>
-          <a:xfrm>
-            <a:off x="972600" y="1758200"/>
-            <a:ext cx="10251600" cy="713601"/>
-          </a:xfrm>
-          <a:prstGeom prst="rect">
-            <a:avLst/>
-          </a:prstGeom>
-        </p:spPr>
+        <p:spPr/>
         <p:txBody>
           <a:bodyPr/>
           <a:lstStyle/>
           <a:p>
-            <a:pPr/>
-            <a:r>
+            <a:r>
+              <a:rPr lang="en-US" dirty="0"/>
               <a:t>ADC Development</a:t>
-            </a:r>
-          </a:p>
-        </p:txBody>
-      </p:sp>
-      <p:sp>
-        <p:nvSpPr>
-          <p:cNvPr id="155" name="Text Placeholder 2"/>
-          <p:cNvSpPr txBox="1"/>
-          <p:nvPr>
-            <p:ph type="body" sz="half" idx="1"/>
-          </p:nvPr>
-        </p:nvSpPr>
-        <p:spPr>
-          <a:xfrm>
-            <a:off x="972600" y="2771832"/>
-            <a:ext cx="10251600" cy="3014801"/>
-          </a:xfrm>
-          <a:prstGeom prst="rect">
-            <a:avLst/>
-          </a:prstGeom>
-        </p:spPr>
-        <p:txBody>
-          <a:bodyPr/>
-          <a:lstStyle>
-            <a:lvl1pPr marL="609585" indent="-414856">
-              <a:buSzPts val="2000"/>
-              <a:defRPr sz="2000"/>
-            </a:lvl1pPr>
-          </a:lstStyle>
-          <a:p>
-            <a:pPr/>
-            <a:r>
-              <a:t>Insert video of ADC working</a:t>
             </a:r>
           </a:p>
         </p:txBody>
       </p:sp>
       <p:pic>
         <p:nvPicPr>
-          <p:cNvPr id="156" name="Picture 3" descr="Picture 3"/>
+          <p:cNvPr id="4" name="Picture 3">
+            <a:extLst>
+              <a:ext uri="{FF2B5EF4-FFF2-40B4-BE49-F238E27FC236}">
+                <a16:creationId xmlns:a16="http://schemas.microsoft.com/office/drawing/2014/main" id="{A667A542-3C17-408F-BEA1-DF3217FBD17C}"/>
+              </a:ext>
+            </a:extLst>
+          </p:cNvPr>
           <p:cNvPicPr>
             <a:picLocks noChangeAspect="1"/>
           </p:cNvPicPr>
           <p:nvPr/>
         </p:nvPicPr>
         <p:blipFill>
-          <a:blip r:embed="rId2">
-            <a:extLst/>
-          </a:blip>
+          <a:blip r:embed="rId3"/>
           <a:stretch>
             <a:fillRect/>
           </a:stretch>
@@ -5245,28 +5444,29 @@
         <p:spPr>
           <a:xfrm rot="16200000">
             <a:off x="8878561" y="3253813"/>
-            <a:ext cx="1969057" cy="3414194"/>
+            <a:ext cx="1969056" cy="3414194"/>
           </a:xfrm>
           <a:prstGeom prst="rect">
             <a:avLst/>
           </a:prstGeom>
-          <a:ln w="12700">
-            <a:miter lim="400000"/>
-          </a:ln>
         </p:spPr>
       </p:pic>
       <p:pic>
         <p:nvPicPr>
-          <p:cNvPr id="157" name="Picture 4" descr="Picture 4"/>
+          <p:cNvPr id="5" name="Picture 4">
+            <a:extLst>
+              <a:ext uri="{FF2B5EF4-FFF2-40B4-BE49-F238E27FC236}">
+                <a16:creationId xmlns:a16="http://schemas.microsoft.com/office/drawing/2014/main" id="{8352C9A6-4FF2-490A-AB63-53DFC88CBB1A}"/>
+              </a:ext>
+            </a:extLst>
+          </p:cNvPr>
           <p:cNvPicPr>
             <a:picLocks noChangeAspect="1"/>
           </p:cNvPicPr>
           <p:nvPr/>
         </p:nvPicPr>
         <p:blipFill>
-          <a:blip r:embed="rId3">
-            <a:extLst/>
-          </a:blip>
+          <a:blip r:embed="rId4"/>
           <a:stretch>
             <a:fillRect/>
           </a:stretch>
@@ -5274,27 +5474,197 @@
         <p:spPr>
           <a:xfrm>
             <a:off x="8161704" y="1510532"/>
-            <a:ext cx="3408481" cy="2052418"/>
+            <a:ext cx="3408480" cy="2052418"/>
           </a:xfrm>
           <a:prstGeom prst="rect">
             <a:avLst/>
           </a:prstGeom>
-          <a:ln w="12700">
-            <a:miter lim="400000"/>
-          </a:ln>
+        </p:spPr>
+      </p:pic>
+      <p:pic>
+        <p:nvPicPr>
+          <p:cNvPr id="6" name="Online Media 5" title="Force Sensitive Resistor Testing on NEXYS A7 Board">
+            <a:hlinkClick r:id="" action="ppaction://media"/>
+            <a:extLst>
+              <a:ext uri="{FF2B5EF4-FFF2-40B4-BE49-F238E27FC236}">
+                <a16:creationId xmlns:a16="http://schemas.microsoft.com/office/drawing/2014/main" id="{CF3659C9-6891-56AC-0523-ED97BE34F75F}"/>
+              </a:ext>
+            </a:extLst>
+          </p:cNvPr>
+          <p:cNvPicPr>
+            <a:picLocks noRot="1" noChangeAspect="1"/>
+          </p:cNvPicPr>
+          <p:nvPr>
+            <a:videoFile r:link="rId1"/>
+          </p:nvPr>
+        </p:nvPicPr>
+        <p:blipFill>
+          <a:blip r:embed="rId5"/>
+          <a:stretch>
+            <a:fillRect/>
+          </a:stretch>
+        </p:blipFill>
+        <p:spPr>
+          <a:xfrm>
+            <a:off x="1668101" y="2730605"/>
+            <a:ext cx="5786678" cy="3269473"/>
+          </a:xfrm>
+          <a:prstGeom prst="rect">
+            <a:avLst/>
+          </a:prstGeom>
         </p:spPr>
       </p:pic>
     </p:spTree>
+    <p:extLst>
+      <p:ext uri="{BB962C8B-B14F-4D97-AF65-F5344CB8AC3E}">
+        <p14:creationId xmlns:p14="http://schemas.microsoft.com/office/powerpoint/2010/main" val="1287792318"/>
+      </p:ext>
+    </p:extLst>
   </p:cSld>
   <p:clrMapOvr>
     <a:masterClrMapping/>
   </p:clrMapOvr>
-  <p:transition xmlns:p14="http://schemas.microsoft.com/office/powerpoint/2010/main" spd="med" advClick="1"/>
+  <p:transition spd="med"/>
+  <p:timing>
+    <p:tnLst>
+      <p:par>
+        <p:cTn id="1" dur="indefinite" restart="never" nodeType="tmRoot">
+          <p:childTnLst>
+            <p:seq concurrent="1" nextAc="seek">
+              <p:cTn id="2" dur="indefinite" nodeType="mainSeq">
+                <p:childTnLst>
+                  <p:par>
+                    <p:cTn id="3" fill="hold">
+                      <p:stCondLst>
+                        <p:cond delay="indefinite"/>
+                      </p:stCondLst>
+                      <p:childTnLst>
+                        <p:par>
+                          <p:cTn id="4" fill="hold">
+                            <p:stCondLst>
+                              <p:cond delay="0"/>
+                            </p:stCondLst>
+                            <p:childTnLst>
+                              <p:par>
+                                <p:cTn id="5" presetID="1" presetClass="mediacall" presetSubtype="0" fill="hold" nodeType="clickEffect">
+                                  <p:stCondLst>
+                                    <p:cond delay="0"/>
+                                  </p:stCondLst>
+                                  <p:childTnLst>
+                                    <p:cmd type="call" cmd="playFrom(0.0)">
+                                      <p:cBhvr>
+                                        <p:cTn id="6" dur="1" fill="hold"/>
+                                        <p:tgtEl>
+                                          <p:spTgt spid="6"/>
+                                        </p:tgtEl>
+                                      </p:cBhvr>
+                                    </p:cmd>
+                                  </p:childTnLst>
+                                </p:cTn>
+                              </p:par>
+                            </p:childTnLst>
+                          </p:cTn>
+                        </p:par>
+                      </p:childTnLst>
+                    </p:cTn>
+                  </p:par>
+                </p:childTnLst>
+              </p:cTn>
+              <p:prevCondLst>
+                <p:cond evt="onPrev" delay="0">
+                  <p:tgtEl>
+                    <p:sldTgt/>
+                  </p:tgtEl>
+                </p:cond>
+              </p:prevCondLst>
+              <p:nextCondLst>
+                <p:cond evt="onNext" delay="0">
+                  <p:tgtEl>
+                    <p:sldTgt/>
+                  </p:tgtEl>
+                </p:cond>
+              </p:nextCondLst>
+            </p:seq>
+            <p:video>
+              <p:cMediaNode vol="80000">
+                <p:cTn id="7" fill="hold" display="0">
+                  <p:stCondLst>
+                    <p:cond delay="indefinite"/>
+                  </p:stCondLst>
+                </p:cTn>
+                <p:tgtEl>
+                  <p:spTgt spid="6"/>
+                </p:tgtEl>
+              </p:cMediaNode>
+            </p:video>
+            <p:seq concurrent="1" nextAc="seek">
+              <p:cTn id="8" restart="whenNotActive" fill="hold" evtFilter="cancelBubble" nodeType="interactiveSeq">
+                <p:stCondLst>
+                  <p:cond evt="onClick" delay="0">
+                    <p:tgtEl>
+                      <p:spTgt spid="6"/>
+                    </p:tgtEl>
+                  </p:cond>
+                </p:stCondLst>
+                <p:endSync evt="end" delay="0">
+                  <p:rtn val="all"/>
+                </p:endSync>
+                <p:childTnLst>
+                  <p:par>
+                    <p:cTn id="9" fill="hold">
+                      <p:stCondLst>
+                        <p:cond delay="0"/>
+                      </p:stCondLst>
+                      <p:childTnLst>
+                        <p:par>
+                          <p:cTn id="10" fill="hold">
+                            <p:stCondLst>
+                              <p:cond delay="0"/>
+                            </p:stCondLst>
+                            <p:childTnLst>
+                              <p:par>
+                                <p:cTn id="11" presetID="2" presetClass="mediacall" presetSubtype="0" fill="hold" nodeType="clickEffect">
+                                  <p:stCondLst>
+                                    <p:cond delay="0"/>
+                                  </p:stCondLst>
+                                  <p:childTnLst>
+                                    <p:cmd type="call" cmd="togglePause">
+                                      <p:cBhvr>
+                                        <p:cTn id="12" dur="1" fill="hold"/>
+                                        <p:tgtEl>
+                                          <p:spTgt spid="6"/>
+                                        </p:tgtEl>
+                                      </p:cBhvr>
+                                    </p:cmd>
+                                  </p:childTnLst>
+                                </p:cTn>
+                              </p:par>
+                            </p:childTnLst>
+                          </p:cTn>
+                        </p:par>
+                      </p:childTnLst>
+                    </p:cTn>
+                  </p:par>
+                </p:childTnLst>
+              </p:cTn>
+              <p:nextCondLst>
+                <p:cond evt="onClick" delay="0">
+                  <p:tgtEl>
+                    <p:spTgt spid="6"/>
+                  </p:tgtEl>
+                </p:cond>
+              </p:nextCondLst>
+            </p:seq>
+          </p:childTnLst>
+        </p:cTn>
+      </p:par>
+    </p:tnLst>
+  </p:timing>
 </p:sld>
 </file>
 
 <file path=ppt/slides/slide9.xml><?xml version="1.0" encoding="utf-8"?>
-<p:sld xmlns:a="http://schemas.openxmlformats.org/drawingml/2006/main" xmlns:r="http://schemas.openxmlformats.org/officeDocument/2006/relationships" xmlns:p="http://schemas.openxmlformats.org/presentationml/2006/main" xmlns:m="http://schemas.openxmlformats.org/officeDocument/2006/math" xmlns:a14="http://schemas.microsoft.com/office/drawing/2010/main" showMasterSp="1" showMasterPhAnim="1">
+<p:sld xmlns:a="http://schemas.openxmlformats.org/drawingml/2006/main" xmlns:r="http://schemas.openxmlformats.org/officeDocument/2006/relationships" xmlns:p="http://schemas.openxmlformats.org/presentationml/2006/main">
   <p:cSld>
     <p:spTree>
       <p:nvGrpSpPr>
@@ -5313,7 +5683,9 @@
       <p:sp>
         <p:nvSpPr>
           <p:cNvPr id="159" name="QSPI flash controller"/>
-          <p:cNvSpPr txBox="1"/>
+          <p:cNvSpPr txBox="1">
+            <a:spLocks noGrp="1"/>
+          </p:cNvSpPr>
           <p:nvPr>
             <p:ph type="title"/>
           </p:nvPr>
@@ -5335,7 +5707,6 @@
             </a:lvl1pPr>
           </a:lstStyle>
           <a:p>
-            <a:pPr/>
             <a:r>
               <a:t>QSPI flash controller</a:t>
             </a:r>
@@ -5345,7 +5716,9 @@
       <p:sp>
         <p:nvSpPr>
           <p:cNvPr id="160" name="Timing control loop…"/>
-          <p:cNvSpPr txBox="1"/>
+          <p:cNvSpPr txBox="1">
+            <a:spLocks noGrp="1"/>
+          </p:cNvSpPr>
           <p:nvPr>
             <p:ph type="body" sz="half" idx="1"/>
           </p:nvPr>
@@ -5409,9 +5782,7 @@
           <p:nvPr/>
         </p:nvPicPr>
         <p:blipFill>
-          <a:blip r:embed="rId2">
-            <a:extLst/>
-          </a:blip>
+          <a:blip r:embed="rId2"/>
           <a:stretch>
             <a:fillRect/>
           </a:stretch>
@@ -5434,12 +5805,12 @@
   <p:clrMapOvr>
     <a:masterClrMapping/>
   </p:clrMapOvr>
-  <p:transition xmlns:p14="http://schemas.microsoft.com/office/powerpoint/2010/main" spd="med" advClick="1"/>
+  <p:transition spd="med"/>
 </p:sld>
 </file>
 
 <file path=ppt/theme/theme1.xml><?xml version="1.0" encoding="utf-8"?>
-<a:theme xmlns:a="http://schemas.openxmlformats.org/drawingml/2006/main" xmlns:r="http://schemas.openxmlformats.org/officeDocument/2006/relationships" name="Streamline">
+<a:theme xmlns:a="http://schemas.openxmlformats.org/drawingml/2006/main" name="Streamline">
   <a:themeElements>
     <a:clrScheme name="Streamline">
       <a:dk1>
@@ -5565,7 +5936,7 @@
       <a:effectStyleLst>
         <a:effectStyle>
           <a:effectLst>
-            <a:outerShdw sx="100000" sy="100000" kx="0" ky="0" algn="b" rotWithShape="0" blurRad="38100" dist="23000" dir="5400000">
+            <a:outerShdw blurRad="38100" dist="23000" dir="5400000" rotWithShape="0">
               <a:srgbClr val="000000">
                 <a:alpha val="35000"/>
               </a:srgbClr>
@@ -5574,7 +5945,7 @@
         </a:effectStyle>
         <a:effectStyle>
           <a:effectLst>
-            <a:outerShdw sx="100000" sy="100000" kx="0" ky="0" algn="b" rotWithShape="0" blurRad="38100" dist="23000" dir="5400000">
+            <a:outerShdw blurRad="38100" dist="23000" dir="5400000" rotWithShape="0">
               <a:srgbClr val="000000">
                 <a:alpha val="35000"/>
               </a:srgbClr>
@@ -5583,7 +5954,7 @@
         </a:effectStyle>
         <a:effectStyle>
           <a:effectLst>
-            <a:outerShdw sx="100000" sy="100000" kx="0" ky="0" algn="b" rotWithShape="0" blurRad="38100" dist="20000" dir="5400000">
+            <a:outerShdw blurRad="38100" dist="20000" dir="5400000" rotWithShape="0">
               <a:srgbClr val="000000">
                 <a:alpha val="38000"/>
               </a:srgbClr>
@@ -5657,7 +6028,7 @@
           <a:round/>
         </a:ln>
         <a:effectLst>
-          <a:outerShdw sx="100000" sy="100000" kx="0" ky="0" algn="b" rotWithShape="0" blurRad="38100" dist="23000" dir="5400000">
+          <a:outerShdw blurRad="38100" dist="23000" dir="5400000" rotWithShape="0">
             <a:srgbClr val="000000">
               <a:alpha val="35000"/>
             </a:srgbClr>
@@ -5665,7 +6036,7 @@
         </a:effectLst>
         <a:sp3d/>
       </a:spPr>
-      <a:bodyPr rot="0" spcFirstLastPara="1" vertOverflow="overflow" horzOverflow="overflow" vert="horz" wrap="square" lIns="45719" tIns="45719" rIns="45719" bIns="45719" numCol="1" spcCol="38100" rtlCol="0" anchor="ctr" upright="0">
+      <a:bodyPr rot="0" spcFirstLastPara="1" vertOverflow="overflow" horzOverflow="overflow" vert="horz" wrap="square" lIns="45719" tIns="45719" rIns="45719" bIns="45719" numCol="1" spcCol="38100" rtlCol="0" anchor="ctr">
         <a:spAutoFit/>
       </a:bodyPr>
       <a:lstStyle>
@@ -5684,7 +6055,7 @@
           <a:buFontTx/>
           <a:buNone/>
           <a:tabLst/>
-          <a:defRPr b="0" baseline="0" cap="none" i="0" spc="0" strike="noStrike" sz="1800" u="none" kumimoji="0" normalizeH="0">
+          <a:defRPr kumimoji="0" sz="1800" b="0" i="0" u="none" strike="noStrike" cap="none" spc="0" normalizeH="0" baseline="0">
             <a:ln>
               <a:noFill/>
             </a:ln>
@@ -5714,7 +6085,7 @@
           <a:buFontTx/>
           <a:buNone/>
           <a:tabLst/>
-          <a:defRPr b="0" baseline="0" cap="none" i="0" spc="0" strike="noStrike" sz="1800" u="none" kumimoji="0" normalizeH="0">
+          <a:defRPr kumimoji="0" sz="1800" b="0" i="0" u="none" strike="noStrike" cap="none" spc="0" normalizeH="0" baseline="0">
             <a:ln>
               <a:noFill/>
             </a:ln>
@@ -5740,7 +6111,7 @@
           <a:buFontTx/>
           <a:buNone/>
           <a:tabLst/>
-          <a:defRPr b="0" baseline="0" cap="none" i="0" spc="0" strike="noStrike" sz="1800" u="none" kumimoji="0" normalizeH="0">
+          <a:defRPr kumimoji="0" sz="1800" b="0" i="0" u="none" strike="noStrike" cap="none" spc="0" normalizeH="0" baseline="0">
             <a:ln>
               <a:noFill/>
             </a:ln>
@@ -5766,7 +6137,7 @@
           <a:buFontTx/>
           <a:buNone/>
           <a:tabLst/>
-          <a:defRPr b="0" baseline="0" cap="none" i="0" spc="0" strike="noStrike" sz="1800" u="none" kumimoji="0" normalizeH="0">
+          <a:defRPr kumimoji="0" sz="1800" b="0" i="0" u="none" strike="noStrike" cap="none" spc="0" normalizeH="0" baseline="0">
             <a:ln>
               <a:noFill/>
             </a:ln>
@@ -5792,7 +6163,7 @@
           <a:buFontTx/>
           <a:buNone/>
           <a:tabLst/>
-          <a:defRPr b="0" baseline="0" cap="none" i="0" spc="0" strike="noStrike" sz="1800" u="none" kumimoji="0" normalizeH="0">
+          <a:defRPr kumimoji="0" sz="1800" b="0" i="0" u="none" strike="noStrike" cap="none" spc="0" normalizeH="0" baseline="0">
             <a:ln>
               <a:noFill/>
             </a:ln>
@@ -5818,7 +6189,7 @@
           <a:buFontTx/>
           <a:buNone/>
           <a:tabLst/>
-          <a:defRPr b="0" baseline="0" cap="none" i="0" spc="0" strike="noStrike" sz="1800" u="none" kumimoji="0" normalizeH="0">
+          <a:defRPr kumimoji="0" sz="1800" b="0" i="0" u="none" strike="noStrike" cap="none" spc="0" normalizeH="0" baseline="0">
             <a:ln>
               <a:noFill/>
             </a:ln>
@@ -5844,7 +6215,7 @@
           <a:buFontTx/>
           <a:buNone/>
           <a:tabLst/>
-          <a:defRPr b="0" baseline="0" cap="none" i="0" spc="0" strike="noStrike" sz="1800" u="none" kumimoji="0" normalizeH="0">
+          <a:defRPr kumimoji="0" sz="1800" b="0" i="0" u="none" strike="noStrike" cap="none" spc="0" normalizeH="0" baseline="0">
             <a:ln>
               <a:noFill/>
             </a:ln>
@@ -5870,7 +6241,7 @@
           <a:buFontTx/>
           <a:buNone/>
           <a:tabLst/>
-          <a:defRPr b="0" baseline="0" cap="none" i="0" spc="0" strike="noStrike" sz="1800" u="none" kumimoji="0" normalizeH="0">
+          <a:defRPr kumimoji="0" sz="1800" b="0" i="0" u="none" strike="noStrike" cap="none" spc="0" normalizeH="0" baseline="0">
             <a:ln>
               <a:noFill/>
             </a:ln>
@@ -5896,7 +6267,7 @@
           <a:buFontTx/>
           <a:buNone/>
           <a:tabLst/>
-          <a:defRPr b="0" baseline="0" cap="none" i="0" spc="0" strike="noStrike" sz="1800" u="none" kumimoji="0" normalizeH="0">
+          <a:defRPr kumimoji="0" sz="1800" b="0" i="0" u="none" strike="noStrike" cap="none" spc="0" normalizeH="0" baseline="0">
             <a:ln>
               <a:noFill/>
             </a:ln>
@@ -5922,7 +6293,7 @@
           <a:buFontTx/>
           <a:buNone/>
           <a:tabLst/>
-          <a:defRPr b="0" baseline="0" cap="none" i="0" spc="0" strike="noStrike" sz="1800" u="none" kumimoji="0" normalizeH="0">
+          <a:defRPr kumimoji="0" sz="1800" b="0" i="0" u="none" strike="noStrike" cap="none" spc="0" normalizeH="0" baseline="0">
             <a:ln>
               <a:noFill/>
             </a:ln>
@@ -5935,9 +6306,15 @@
         </a:lvl9pPr>
       </a:lstStyle>
       <a:style>
-        <a:lnRef idx="0"/>
-        <a:fillRef idx="0"/>
-        <a:effectRef idx="0"/>
+        <a:lnRef idx="0">
+          <a:scrgbClr r="0" g="0" b="0"/>
+        </a:lnRef>
+        <a:fillRef idx="0">
+          <a:scrgbClr r="0" g="0" b="0"/>
+        </a:fillRef>
+        <a:effectRef idx="0">
+          <a:scrgbClr r="0" g="0" b="0"/>
+        </a:effectRef>
         <a:fontRef idx="none"/>
       </a:style>
     </a:spDef>
@@ -5952,7 +6329,7 @@
           <a:round/>
         </a:ln>
         <a:effectLst>
-          <a:outerShdw sx="100000" sy="100000" kx="0" ky="0" algn="b" rotWithShape="0" blurRad="38100" dist="20000" dir="5400000">
+          <a:outerShdw blurRad="38100" dist="20000" dir="5400000" rotWithShape="0">
             <a:srgbClr val="000000">
               <a:alpha val="38000"/>
             </a:srgbClr>
@@ -5960,7 +6337,7 @@
         </a:effectLst>
         <a:sp3d/>
       </a:spPr>
-      <a:bodyPr rot="0" spcFirstLastPara="1" vertOverflow="overflow" horzOverflow="overflow" vert="horz" wrap="square" lIns="91439" tIns="45719" rIns="91439" bIns="45719" numCol="1" spcCol="38100" rtlCol="0" anchor="t" upright="0">
+      <a:bodyPr rot="0" spcFirstLastPara="1" vertOverflow="overflow" horzOverflow="overflow" vert="horz" wrap="square" lIns="91439" tIns="45719" rIns="91439" bIns="45719" numCol="1" spcCol="38100" rtlCol="0" anchor="t">
         <a:noAutofit/>
       </a:bodyPr>
       <a:lstStyle>
@@ -5979,7 +6356,7 @@
           <a:buFontTx/>
           <a:buNone/>
           <a:tabLst/>
-          <a:defRPr b="0" baseline="0" cap="none" i="0" spc="0" strike="noStrike" sz="1800" u="none" kumimoji="0" normalizeH="0">
+          <a:defRPr kumimoji="0" sz="1800" b="0" i="0" u="none" strike="noStrike" cap="none" spc="0" normalizeH="0" baseline="0">
             <a:ln>
               <a:noFill/>
             </a:ln>
@@ -6005,7 +6382,7 @@
           <a:buFontTx/>
           <a:buNone/>
           <a:tabLst/>
-          <a:defRPr b="0" baseline="0" cap="none" i="0" spc="0" strike="noStrike" sz="1800" u="none" kumimoji="0" normalizeH="0">
+          <a:defRPr kumimoji="0" sz="1800" b="0" i="0" u="none" strike="noStrike" cap="none" spc="0" normalizeH="0" baseline="0">
             <a:ln>
               <a:noFill/>
             </a:ln>
@@ -6031,7 +6408,7 @@
           <a:buFontTx/>
           <a:buNone/>
           <a:tabLst/>
-          <a:defRPr b="0" baseline="0" cap="none" i="0" spc="0" strike="noStrike" sz="1800" u="none" kumimoji="0" normalizeH="0">
+          <a:defRPr kumimoji="0" sz="1800" b="0" i="0" u="none" strike="noStrike" cap="none" spc="0" normalizeH="0" baseline="0">
             <a:ln>
               <a:noFill/>
             </a:ln>
@@ -6057,7 +6434,7 @@
           <a:buFontTx/>
           <a:buNone/>
           <a:tabLst/>
-          <a:defRPr b="0" baseline="0" cap="none" i="0" spc="0" strike="noStrike" sz="1800" u="none" kumimoji="0" normalizeH="0">
+          <a:defRPr kumimoji="0" sz="1800" b="0" i="0" u="none" strike="noStrike" cap="none" spc="0" normalizeH="0" baseline="0">
             <a:ln>
               <a:noFill/>
             </a:ln>
@@ -6083,7 +6460,7 @@
           <a:buFontTx/>
           <a:buNone/>
           <a:tabLst/>
-          <a:defRPr b="0" baseline="0" cap="none" i="0" spc="0" strike="noStrike" sz="1800" u="none" kumimoji="0" normalizeH="0">
+          <a:defRPr kumimoji="0" sz="1800" b="0" i="0" u="none" strike="noStrike" cap="none" spc="0" normalizeH="0" baseline="0">
             <a:ln>
               <a:noFill/>
             </a:ln>
@@ -6109,7 +6486,7 @@
           <a:buFontTx/>
           <a:buNone/>
           <a:tabLst/>
-          <a:defRPr b="0" baseline="0" cap="none" i="0" spc="0" strike="noStrike" sz="1800" u="none" kumimoji="0" normalizeH="0">
+          <a:defRPr kumimoji="0" sz="1800" b="0" i="0" u="none" strike="noStrike" cap="none" spc="0" normalizeH="0" baseline="0">
             <a:ln>
               <a:noFill/>
             </a:ln>
@@ -6135,7 +6512,7 @@
           <a:buFontTx/>
           <a:buNone/>
           <a:tabLst/>
-          <a:defRPr b="0" baseline="0" cap="none" i="0" spc="0" strike="noStrike" sz="1800" u="none" kumimoji="0" normalizeH="0">
+          <a:defRPr kumimoji="0" sz="1800" b="0" i="0" u="none" strike="noStrike" cap="none" spc="0" normalizeH="0" baseline="0">
             <a:ln>
               <a:noFill/>
             </a:ln>
@@ -6161,7 +6538,7 @@
           <a:buFontTx/>
           <a:buNone/>
           <a:tabLst/>
-          <a:defRPr b="0" baseline="0" cap="none" i="0" spc="0" strike="noStrike" sz="1800" u="none" kumimoji="0" normalizeH="0">
+          <a:defRPr kumimoji="0" sz="1800" b="0" i="0" u="none" strike="noStrike" cap="none" spc="0" normalizeH="0" baseline="0">
             <a:ln>
               <a:noFill/>
             </a:ln>
@@ -6187,7 +6564,7 @@
           <a:buFontTx/>
           <a:buNone/>
           <a:tabLst/>
-          <a:defRPr b="0" baseline="0" cap="none" i="0" spc="0" strike="noStrike" sz="1800" u="none" kumimoji="0" normalizeH="0">
+          <a:defRPr kumimoji="0" sz="1800" b="0" i="0" u="none" strike="noStrike" cap="none" spc="0" normalizeH="0" baseline="0">
             <a:ln>
               <a:noFill/>
             </a:ln>
@@ -6213,7 +6590,7 @@
           <a:buFontTx/>
           <a:buNone/>
           <a:tabLst/>
-          <a:defRPr b="0" baseline="0" cap="none" i="0" spc="0" strike="noStrike" sz="1800" u="none" kumimoji="0" normalizeH="0">
+          <a:defRPr kumimoji="0" sz="1800" b="0" i="0" u="none" strike="noStrike" cap="none" spc="0" normalizeH="0" baseline="0">
             <a:ln>
               <a:noFill/>
             </a:ln>
@@ -6226,9 +6603,15 @@
         </a:lvl9pPr>
       </a:lstStyle>
       <a:style>
-        <a:lnRef idx="0"/>
-        <a:fillRef idx="0"/>
-        <a:effectRef idx="0"/>
+        <a:lnRef idx="0">
+          <a:scrgbClr r="0" g="0" b="0"/>
+        </a:lnRef>
+        <a:fillRef idx="0">
+          <a:scrgbClr r="0" g="0" b="0"/>
+        </a:fillRef>
+        <a:effectRef idx="0">
+          <a:scrgbClr r="0" g="0" b="0"/>
+        </a:effectRef>
         <a:fontRef idx="none"/>
       </a:style>
     </a:lnDef>
@@ -6242,7 +6625,7 @@
         <a:effectLst/>
         <a:sp3d/>
       </a:spPr>
-      <a:bodyPr rot="0" spcFirstLastPara="1" vertOverflow="overflow" horzOverflow="overflow" vert="horz" wrap="square" lIns="45719" tIns="45719" rIns="45719" bIns="45719" numCol="1" spcCol="38100" rtlCol="0" anchor="t" upright="0">
+      <a:bodyPr rot="0" spcFirstLastPara="1" vertOverflow="overflow" horzOverflow="overflow" vert="horz" wrap="square" lIns="45719" tIns="45719" rIns="45719" bIns="45719" numCol="1" spcCol="38100" rtlCol="0" anchor="t">
         <a:spAutoFit/>
       </a:bodyPr>
       <a:lstStyle>
@@ -6261,7 +6644,7 @@
           <a:buFontTx/>
           <a:buNone/>
           <a:tabLst/>
-          <a:defRPr b="0" baseline="0" cap="none" i="0" spc="0" strike="noStrike" sz="1800" u="none" kumimoji="0" normalizeH="0">
+          <a:defRPr kumimoji="0" sz="1800" b="0" i="0" u="none" strike="noStrike" cap="none" spc="0" normalizeH="0" baseline="0">
             <a:ln>
               <a:noFill/>
             </a:ln>
@@ -6291,7 +6674,7 @@
           <a:buFontTx/>
           <a:buNone/>
           <a:tabLst/>
-          <a:defRPr b="0" baseline="0" cap="none" i="0" spc="0" strike="noStrike" sz="1800" u="none" kumimoji="0" normalizeH="0">
+          <a:defRPr kumimoji="0" sz="1800" b="0" i="0" u="none" strike="noStrike" cap="none" spc="0" normalizeH="0" baseline="0">
             <a:ln>
               <a:noFill/>
             </a:ln>
@@ -6317,7 +6700,7 @@
           <a:buFontTx/>
           <a:buNone/>
           <a:tabLst/>
-          <a:defRPr b="0" baseline="0" cap="none" i="0" spc="0" strike="noStrike" sz="1800" u="none" kumimoji="0" normalizeH="0">
+          <a:defRPr kumimoji="0" sz="1800" b="0" i="0" u="none" strike="noStrike" cap="none" spc="0" normalizeH="0" baseline="0">
             <a:ln>
               <a:noFill/>
             </a:ln>
@@ -6343,7 +6726,7 @@
           <a:buFontTx/>
           <a:buNone/>
           <a:tabLst/>
-          <a:defRPr b="0" baseline="0" cap="none" i="0" spc="0" strike="noStrike" sz="1800" u="none" kumimoji="0" normalizeH="0">
+          <a:defRPr kumimoji="0" sz="1800" b="0" i="0" u="none" strike="noStrike" cap="none" spc="0" normalizeH="0" baseline="0">
             <a:ln>
               <a:noFill/>
             </a:ln>
@@ -6369,7 +6752,7 @@
           <a:buFontTx/>
           <a:buNone/>
           <a:tabLst/>
-          <a:defRPr b="0" baseline="0" cap="none" i="0" spc="0" strike="noStrike" sz="1800" u="none" kumimoji="0" normalizeH="0">
+          <a:defRPr kumimoji="0" sz="1800" b="0" i="0" u="none" strike="noStrike" cap="none" spc="0" normalizeH="0" baseline="0">
             <a:ln>
               <a:noFill/>
             </a:ln>
@@ -6395,7 +6778,7 @@
           <a:buFontTx/>
           <a:buNone/>
           <a:tabLst/>
-          <a:defRPr b="0" baseline="0" cap="none" i="0" spc="0" strike="noStrike" sz="1800" u="none" kumimoji="0" normalizeH="0">
+          <a:defRPr kumimoji="0" sz="1800" b="0" i="0" u="none" strike="noStrike" cap="none" spc="0" normalizeH="0" baseline="0">
             <a:ln>
               <a:noFill/>
             </a:ln>
@@ -6421,7 +6804,7 @@
           <a:buFontTx/>
           <a:buNone/>
           <a:tabLst/>
-          <a:defRPr b="0" baseline="0" cap="none" i="0" spc="0" strike="noStrike" sz="1800" u="none" kumimoji="0" normalizeH="0">
+          <a:defRPr kumimoji="0" sz="1800" b="0" i="0" u="none" strike="noStrike" cap="none" spc="0" normalizeH="0" baseline="0">
             <a:ln>
               <a:noFill/>
             </a:ln>
@@ -6447,7 +6830,7 @@
           <a:buFontTx/>
           <a:buNone/>
           <a:tabLst/>
-          <a:defRPr b="0" baseline="0" cap="none" i="0" spc="0" strike="noStrike" sz="1800" u="none" kumimoji="0" normalizeH="0">
+          <a:defRPr kumimoji="0" sz="1800" b="0" i="0" u="none" strike="noStrike" cap="none" spc="0" normalizeH="0" baseline="0">
             <a:ln>
               <a:noFill/>
             </a:ln>
@@ -6473,7 +6856,7 @@
           <a:buFontTx/>
           <a:buNone/>
           <a:tabLst/>
-          <a:defRPr b="0" baseline="0" cap="none" i="0" spc="0" strike="noStrike" sz="1800" u="none" kumimoji="0" normalizeH="0">
+          <a:defRPr kumimoji="0" sz="1800" b="0" i="0" u="none" strike="noStrike" cap="none" spc="0" normalizeH="0" baseline="0">
             <a:ln>
               <a:noFill/>
             </a:ln>
@@ -6499,7 +6882,7 @@
           <a:buFontTx/>
           <a:buNone/>
           <a:tabLst/>
-          <a:defRPr b="0" baseline="0" cap="none" i="0" spc="0" strike="noStrike" sz="1800" u="none" kumimoji="0" normalizeH="0">
+          <a:defRPr kumimoji="0" sz="1800" b="0" i="0" u="none" strike="noStrike" cap="none" spc="0" normalizeH="0" baseline="0">
             <a:ln>
               <a:noFill/>
             </a:ln>
@@ -6512,18 +6895,25 @@
         </a:lvl9pPr>
       </a:lstStyle>
       <a:style>
-        <a:lnRef idx="0"/>
-        <a:fillRef idx="0"/>
-        <a:effectRef idx="0"/>
+        <a:lnRef idx="0">
+          <a:scrgbClr r="0" g="0" b="0"/>
+        </a:lnRef>
+        <a:fillRef idx="0">
+          <a:scrgbClr r="0" g="0" b="0"/>
+        </a:fillRef>
+        <a:effectRef idx="0">
+          <a:scrgbClr r="0" g="0" b="0"/>
+        </a:effectRef>
         <a:fontRef idx="none"/>
       </a:style>
     </a:txDef>
   </a:objectDefaults>
+  <a:extraClrSchemeLst/>
 </a:theme>
 </file>
 
 <file path=ppt/theme/theme2.xml><?xml version="1.0" encoding="utf-8"?>
-<a:theme xmlns:a="http://schemas.openxmlformats.org/drawingml/2006/main" xmlns:r="http://schemas.openxmlformats.org/officeDocument/2006/relationships" name="Streamline">
+<a:theme xmlns:a="http://schemas.openxmlformats.org/drawingml/2006/main" name="Streamline">
   <a:themeElements>
     <a:clrScheme name="Streamline">
       <a:dk1>
@@ -6649,7 +7039,7 @@
       <a:effectStyleLst>
         <a:effectStyle>
           <a:effectLst>
-            <a:outerShdw sx="100000" sy="100000" kx="0" ky="0" algn="b" rotWithShape="0" blurRad="38100" dist="23000" dir="5400000">
+            <a:outerShdw blurRad="38100" dist="23000" dir="5400000" rotWithShape="0">
               <a:srgbClr val="000000">
                 <a:alpha val="35000"/>
               </a:srgbClr>
@@ -6658,7 +7048,7 @@
         </a:effectStyle>
         <a:effectStyle>
           <a:effectLst>
-            <a:outerShdw sx="100000" sy="100000" kx="0" ky="0" algn="b" rotWithShape="0" blurRad="38100" dist="23000" dir="5400000">
+            <a:outerShdw blurRad="38100" dist="23000" dir="5400000" rotWithShape="0">
               <a:srgbClr val="000000">
                 <a:alpha val="35000"/>
               </a:srgbClr>
@@ -6667,7 +7057,7 @@
         </a:effectStyle>
         <a:effectStyle>
           <a:effectLst>
-            <a:outerShdw sx="100000" sy="100000" kx="0" ky="0" algn="b" rotWithShape="0" blurRad="38100" dist="20000" dir="5400000">
+            <a:outerShdw blurRad="38100" dist="20000" dir="5400000" rotWithShape="0">
               <a:srgbClr val="000000">
                 <a:alpha val="38000"/>
               </a:srgbClr>
@@ -6741,7 +7131,7 @@
           <a:round/>
         </a:ln>
         <a:effectLst>
-          <a:outerShdw sx="100000" sy="100000" kx="0" ky="0" algn="b" rotWithShape="0" blurRad="38100" dist="23000" dir="5400000">
+          <a:outerShdw blurRad="38100" dist="23000" dir="5400000" rotWithShape="0">
             <a:srgbClr val="000000">
               <a:alpha val="35000"/>
             </a:srgbClr>
@@ -6749,7 +7139,7 @@
         </a:effectLst>
         <a:sp3d/>
       </a:spPr>
-      <a:bodyPr rot="0" spcFirstLastPara="1" vertOverflow="overflow" horzOverflow="overflow" vert="horz" wrap="square" lIns="45719" tIns="45719" rIns="45719" bIns="45719" numCol="1" spcCol="38100" rtlCol="0" anchor="ctr" upright="0">
+      <a:bodyPr rot="0" spcFirstLastPara="1" vertOverflow="overflow" horzOverflow="overflow" vert="horz" wrap="square" lIns="45719" tIns="45719" rIns="45719" bIns="45719" numCol="1" spcCol="38100" rtlCol="0" anchor="ctr">
         <a:spAutoFit/>
       </a:bodyPr>
       <a:lstStyle>
@@ -6768,7 +7158,7 @@
           <a:buFontTx/>
           <a:buNone/>
           <a:tabLst/>
-          <a:defRPr b="0" baseline="0" cap="none" i="0" spc="0" strike="noStrike" sz="1800" u="none" kumimoji="0" normalizeH="0">
+          <a:defRPr kumimoji="0" sz="1800" b="0" i="0" u="none" strike="noStrike" cap="none" spc="0" normalizeH="0" baseline="0">
             <a:ln>
               <a:noFill/>
             </a:ln>
@@ -6798,7 +7188,7 @@
           <a:buFontTx/>
           <a:buNone/>
           <a:tabLst/>
-          <a:defRPr b="0" baseline="0" cap="none" i="0" spc="0" strike="noStrike" sz="1800" u="none" kumimoji="0" normalizeH="0">
+          <a:defRPr kumimoji="0" sz="1800" b="0" i="0" u="none" strike="noStrike" cap="none" spc="0" normalizeH="0" baseline="0">
             <a:ln>
               <a:noFill/>
             </a:ln>
@@ -6824,7 +7214,7 @@
           <a:buFontTx/>
           <a:buNone/>
           <a:tabLst/>
-          <a:defRPr b="0" baseline="0" cap="none" i="0" spc="0" strike="noStrike" sz="1800" u="none" kumimoji="0" normalizeH="0">
+          <a:defRPr kumimoji="0" sz="1800" b="0" i="0" u="none" strike="noStrike" cap="none" spc="0" normalizeH="0" baseline="0">
             <a:ln>
               <a:noFill/>
             </a:ln>
@@ -6850,7 +7240,7 @@
           <a:buFontTx/>
           <a:buNone/>
           <a:tabLst/>
-          <a:defRPr b="0" baseline="0" cap="none" i="0" spc="0" strike="noStrike" sz="1800" u="none" kumimoji="0" normalizeH="0">
+          <a:defRPr kumimoji="0" sz="1800" b="0" i="0" u="none" strike="noStrike" cap="none" spc="0" normalizeH="0" baseline="0">
             <a:ln>
               <a:noFill/>
             </a:ln>
@@ -6876,7 +7266,7 @@
           <a:buFontTx/>
           <a:buNone/>
           <a:tabLst/>
-          <a:defRPr b="0" baseline="0" cap="none" i="0" spc="0" strike="noStrike" sz="1800" u="none" kumimoji="0" normalizeH="0">
+          <a:defRPr kumimoji="0" sz="1800" b="0" i="0" u="none" strike="noStrike" cap="none" spc="0" normalizeH="0" baseline="0">
             <a:ln>
               <a:noFill/>
             </a:ln>
@@ -6902,7 +7292,7 @@
           <a:buFontTx/>
           <a:buNone/>
           <a:tabLst/>
-          <a:defRPr b="0" baseline="0" cap="none" i="0" spc="0" strike="noStrike" sz="1800" u="none" kumimoji="0" normalizeH="0">
+          <a:defRPr kumimoji="0" sz="1800" b="0" i="0" u="none" strike="noStrike" cap="none" spc="0" normalizeH="0" baseline="0">
             <a:ln>
               <a:noFill/>
             </a:ln>
@@ -6928,7 +7318,7 @@
           <a:buFontTx/>
           <a:buNone/>
           <a:tabLst/>
-          <a:defRPr b="0" baseline="0" cap="none" i="0" spc="0" strike="noStrike" sz="1800" u="none" kumimoji="0" normalizeH="0">
+          <a:defRPr kumimoji="0" sz="1800" b="0" i="0" u="none" strike="noStrike" cap="none" spc="0" normalizeH="0" baseline="0">
             <a:ln>
               <a:noFill/>
             </a:ln>
@@ -6954,7 +7344,7 @@
           <a:buFontTx/>
           <a:buNone/>
           <a:tabLst/>
-          <a:defRPr b="0" baseline="0" cap="none" i="0" spc="0" strike="noStrike" sz="1800" u="none" kumimoji="0" normalizeH="0">
+          <a:defRPr kumimoji="0" sz="1800" b="0" i="0" u="none" strike="noStrike" cap="none" spc="0" normalizeH="0" baseline="0">
             <a:ln>
               <a:noFill/>
             </a:ln>
@@ -6980,7 +7370,7 @@
           <a:buFontTx/>
           <a:buNone/>
           <a:tabLst/>
-          <a:defRPr b="0" baseline="0" cap="none" i="0" spc="0" strike="noStrike" sz="1800" u="none" kumimoji="0" normalizeH="0">
+          <a:defRPr kumimoji="0" sz="1800" b="0" i="0" u="none" strike="noStrike" cap="none" spc="0" normalizeH="0" baseline="0">
             <a:ln>
               <a:noFill/>
             </a:ln>
@@ -7006,7 +7396,7 @@
           <a:buFontTx/>
           <a:buNone/>
           <a:tabLst/>
-          <a:defRPr b="0" baseline="0" cap="none" i="0" spc="0" strike="noStrike" sz="1800" u="none" kumimoji="0" normalizeH="0">
+          <a:defRPr kumimoji="0" sz="1800" b="0" i="0" u="none" strike="noStrike" cap="none" spc="0" normalizeH="0" baseline="0">
             <a:ln>
               <a:noFill/>
             </a:ln>
@@ -7019,9 +7409,15 @@
         </a:lvl9pPr>
       </a:lstStyle>
       <a:style>
-        <a:lnRef idx="0"/>
-        <a:fillRef idx="0"/>
-        <a:effectRef idx="0"/>
+        <a:lnRef idx="0">
+          <a:scrgbClr r="0" g="0" b="0"/>
+        </a:lnRef>
+        <a:fillRef idx="0">
+          <a:scrgbClr r="0" g="0" b="0"/>
+        </a:fillRef>
+        <a:effectRef idx="0">
+          <a:scrgbClr r="0" g="0" b="0"/>
+        </a:effectRef>
         <a:fontRef idx="none"/>
       </a:style>
     </a:spDef>
@@ -7036,7 +7432,7 @@
           <a:round/>
         </a:ln>
         <a:effectLst>
-          <a:outerShdw sx="100000" sy="100000" kx="0" ky="0" algn="b" rotWithShape="0" blurRad="38100" dist="20000" dir="5400000">
+          <a:outerShdw blurRad="38100" dist="20000" dir="5400000" rotWithShape="0">
             <a:srgbClr val="000000">
               <a:alpha val="38000"/>
             </a:srgbClr>
@@ -7044,7 +7440,7 @@
         </a:effectLst>
         <a:sp3d/>
       </a:spPr>
-      <a:bodyPr rot="0" spcFirstLastPara="1" vertOverflow="overflow" horzOverflow="overflow" vert="horz" wrap="square" lIns="91439" tIns="45719" rIns="91439" bIns="45719" numCol="1" spcCol="38100" rtlCol="0" anchor="t" upright="0">
+      <a:bodyPr rot="0" spcFirstLastPara="1" vertOverflow="overflow" horzOverflow="overflow" vert="horz" wrap="square" lIns="91439" tIns="45719" rIns="91439" bIns="45719" numCol="1" spcCol="38100" rtlCol="0" anchor="t">
         <a:noAutofit/>
       </a:bodyPr>
       <a:lstStyle>
@@ -7063,7 +7459,7 @@
           <a:buFontTx/>
           <a:buNone/>
           <a:tabLst/>
-          <a:defRPr b="0" baseline="0" cap="none" i="0" spc="0" strike="noStrike" sz="1800" u="none" kumimoji="0" normalizeH="0">
+          <a:defRPr kumimoji="0" sz="1800" b="0" i="0" u="none" strike="noStrike" cap="none" spc="0" normalizeH="0" baseline="0">
             <a:ln>
               <a:noFill/>
             </a:ln>
@@ -7089,7 +7485,7 @@
           <a:buFontTx/>
           <a:buNone/>
           <a:tabLst/>
-          <a:defRPr b="0" baseline="0" cap="none" i="0" spc="0" strike="noStrike" sz="1800" u="none" kumimoji="0" normalizeH="0">
+          <a:defRPr kumimoji="0" sz="1800" b="0" i="0" u="none" strike="noStrike" cap="none" spc="0" normalizeH="0" baseline="0">
             <a:ln>
               <a:noFill/>
             </a:ln>
@@ -7115,7 +7511,7 @@
           <a:buFontTx/>
           <a:buNone/>
           <a:tabLst/>
-          <a:defRPr b="0" baseline="0" cap="none" i="0" spc="0" strike="noStrike" sz="1800" u="none" kumimoji="0" normalizeH="0">
+          <a:defRPr kumimoji="0" sz="1800" b="0" i="0" u="none" strike="noStrike" cap="none" spc="0" normalizeH="0" baseline="0">
             <a:ln>
               <a:noFill/>
             </a:ln>
@@ -7141,7 +7537,7 @@
           <a:buFontTx/>
           <a:buNone/>
           <a:tabLst/>
-          <a:defRPr b="0" baseline="0" cap="none" i="0" spc="0" strike="noStrike" sz="1800" u="none" kumimoji="0" normalizeH="0">
+          <a:defRPr kumimoji="0" sz="1800" b="0" i="0" u="none" strike="noStrike" cap="none" spc="0" normalizeH="0" baseline="0">
             <a:ln>
               <a:noFill/>
             </a:ln>
@@ -7167,7 +7563,7 @@
           <a:buFontTx/>
           <a:buNone/>
           <a:tabLst/>
-          <a:defRPr b="0" baseline="0" cap="none" i="0" spc="0" strike="noStrike" sz="1800" u="none" kumimoji="0" normalizeH="0">
+          <a:defRPr kumimoji="0" sz="1800" b="0" i="0" u="none" strike="noStrike" cap="none" spc="0" normalizeH="0" baseline="0">
             <a:ln>
               <a:noFill/>
             </a:ln>
@@ -7193,7 +7589,7 @@
           <a:buFontTx/>
           <a:buNone/>
           <a:tabLst/>
-          <a:defRPr b="0" baseline="0" cap="none" i="0" spc="0" strike="noStrike" sz="1800" u="none" kumimoji="0" normalizeH="0">
+          <a:defRPr kumimoji="0" sz="1800" b="0" i="0" u="none" strike="noStrike" cap="none" spc="0" normalizeH="0" baseline="0">
             <a:ln>
               <a:noFill/>
             </a:ln>
@@ -7219,7 +7615,7 @@
           <a:buFontTx/>
           <a:buNone/>
           <a:tabLst/>
-          <a:defRPr b="0" baseline="0" cap="none" i="0" spc="0" strike="noStrike" sz="1800" u="none" kumimoji="0" normalizeH="0">
+          <a:defRPr kumimoji="0" sz="1800" b="0" i="0" u="none" strike="noStrike" cap="none" spc="0" normalizeH="0" baseline="0">
             <a:ln>
               <a:noFill/>
             </a:ln>
@@ -7245,7 +7641,7 @@
           <a:buFontTx/>
           <a:buNone/>
           <a:tabLst/>
-          <a:defRPr b="0" baseline="0" cap="none" i="0" spc="0" strike="noStrike" sz="1800" u="none" kumimoji="0" normalizeH="0">
+          <a:defRPr kumimoji="0" sz="1800" b="0" i="0" u="none" strike="noStrike" cap="none" spc="0" normalizeH="0" baseline="0">
             <a:ln>
               <a:noFill/>
             </a:ln>
@@ -7271,7 +7667,7 @@
           <a:buFontTx/>
           <a:buNone/>
           <a:tabLst/>
-          <a:defRPr b="0" baseline="0" cap="none" i="0" spc="0" strike="noStrike" sz="1800" u="none" kumimoji="0" normalizeH="0">
+          <a:defRPr kumimoji="0" sz="1800" b="0" i="0" u="none" strike="noStrike" cap="none" spc="0" normalizeH="0" baseline="0">
             <a:ln>
               <a:noFill/>
             </a:ln>
@@ -7297,7 +7693,7 @@
           <a:buFontTx/>
           <a:buNone/>
           <a:tabLst/>
-          <a:defRPr b="0" baseline="0" cap="none" i="0" spc="0" strike="noStrike" sz="1800" u="none" kumimoji="0" normalizeH="0">
+          <a:defRPr kumimoji="0" sz="1800" b="0" i="0" u="none" strike="noStrike" cap="none" spc="0" normalizeH="0" baseline="0">
             <a:ln>
               <a:noFill/>
             </a:ln>
@@ -7310,9 +7706,15 @@
         </a:lvl9pPr>
       </a:lstStyle>
       <a:style>
-        <a:lnRef idx="0"/>
-        <a:fillRef idx="0"/>
-        <a:effectRef idx="0"/>
+        <a:lnRef idx="0">
+          <a:scrgbClr r="0" g="0" b="0"/>
+        </a:lnRef>
+        <a:fillRef idx="0">
+          <a:scrgbClr r="0" g="0" b="0"/>
+        </a:fillRef>
+        <a:effectRef idx="0">
+          <a:scrgbClr r="0" g="0" b="0"/>
+        </a:effectRef>
         <a:fontRef idx="none"/>
       </a:style>
     </a:lnDef>
@@ -7326,7 +7728,7 @@
         <a:effectLst/>
         <a:sp3d/>
       </a:spPr>
-      <a:bodyPr rot="0" spcFirstLastPara="1" vertOverflow="overflow" horzOverflow="overflow" vert="horz" wrap="square" lIns="45719" tIns="45719" rIns="45719" bIns="45719" numCol="1" spcCol="38100" rtlCol="0" anchor="t" upright="0">
+      <a:bodyPr rot="0" spcFirstLastPara="1" vertOverflow="overflow" horzOverflow="overflow" vert="horz" wrap="square" lIns="45719" tIns="45719" rIns="45719" bIns="45719" numCol="1" spcCol="38100" rtlCol="0" anchor="t">
         <a:spAutoFit/>
       </a:bodyPr>
       <a:lstStyle>
@@ -7345,7 +7747,7 @@
           <a:buFontTx/>
           <a:buNone/>
           <a:tabLst/>
-          <a:defRPr b="0" baseline="0" cap="none" i="0" spc="0" strike="noStrike" sz="1800" u="none" kumimoji="0" normalizeH="0">
+          <a:defRPr kumimoji="0" sz="1800" b="0" i="0" u="none" strike="noStrike" cap="none" spc="0" normalizeH="0" baseline="0">
             <a:ln>
               <a:noFill/>
             </a:ln>
@@ -7375,7 +7777,7 @@
           <a:buFontTx/>
           <a:buNone/>
           <a:tabLst/>
-          <a:defRPr b="0" baseline="0" cap="none" i="0" spc="0" strike="noStrike" sz="1800" u="none" kumimoji="0" normalizeH="0">
+          <a:defRPr kumimoji="0" sz="1800" b="0" i="0" u="none" strike="noStrike" cap="none" spc="0" normalizeH="0" baseline="0">
             <a:ln>
               <a:noFill/>
             </a:ln>
@@ -7401,7 +7803,7 @@
           <a:buFontTx/>
           <a:buNone/>
           <a:tabLst/>
-          <a:defRPr b="0" baseline="0" cap="none" i="0" spc="0" strike="noStrike" sz="1800" u="none" kumimoji="0" normalizeH="0">
+          <a:defRPr kumimoji="0" sz="1800" b="0" i="0" u="none" strike="noStrike" cap="none" spc="0" normalizeH="0" baseline="0">
             <a:ln>
               <a:noFill/>
             </a:ln>
@@ -7427,7 +7829,7 @@
           <a:buFontTx/>
           <a:buNone/>
           <a:tabLst/>
-          <a:defRPr b="0" baseline="0" cap="none" i="0" spc="0" strike="noStrike" sz="1800" u="none" kumimoji="0" normalizeH="0">
+          <a:defRPr kumimoji="0" sz="1800" b="0" i="0" u="none" strike="noStrike" cap="none" spc="0" normalizeH="0" baseline="0">
             <a:ln>
               <a:noFill/>
             </a:ln>
@@ -7453,7 +7855,7 @@
           <a:buFontTx/>
           <a:buNone/>
           <a:tabLst/>
-          <a:defRPr b="0" baseline="0" cap="none" i="0" spc="0" strike="noStrike" sz="1800" u="none" kumimoji="0" normalizeH="0">
+          <a:defRPr kumimoji="0" sz="1800" b="0" i="0" u="none" strike="noStrike" cap="none" spc="0" normalizeH="0" baseline="0">
             <a:ln>
               <a:noFill/>
             </a:ln>
@@ -7479,7 +7881,7 @@
           <a:buFontTx/>
           <a:buNone/>
           <a:tabLst/>
-          <a:defRPr b="0" baseline="0" cap="none" i="0" spc="0" strike="noStrike" sz="1800" u="none" kumimoji="0" normalizeH="0">
+          <a:defRPr kumimoji="0" sz="1800" b="0" i="0" u="none" strike="noStrike" cap="none" spc="0" normalizeH="0" baseline="0">
             <a:ln>
               <a:noFill/>
             </a:ln>
@@ -7505,7 +7907,7 @@
           <a:buFontTx/>
           <a:buNone/>
           <a:tabLst/>
-          <a:defRPr b="0" baseline="0" cap="none" i="0" spc="0" strike="noStrike" sz="1800" u="none" kumimoji="0" normalizeH="0">
+          <a:defRPr kumimoji="0" sz="1800" b="0" i="0" u="none" strike="noStrike" cap="none" spc="0" normalizeH="0" baseline="0">
             <a:ln>
               <a:noFill/>
             </a:ln>
@@ -7531,7 +7933,7 @@
           <a:buFontTx/>
           <a:buNone/>
           <a:tabLst/>
-          <a:defRPr b="0" baseline="0" cap="none" i="0" spc="0" strike="noStrike" sz="1800" u="none" kumimoji="0" normalizeH="0">
+          <a:defRPr kumimoji="0" sz="1800" b="0" i="0" u="none" strike="noStrike" cap="none" spc="0" normalizeH="0" baseline="0">
             <a:ln>
               <a:noFill/>
             </a:ln>
@@ -7557,7 +7959,7 @@
           <a:buFontTx/>
           <a:buNone/>
           <a:tabLst/>
-          <a:defRPr b="0" baseline="0" cap="none" i="0" spc="0" strike="noStrike" sz="1800" u="none" kumimoji="0" normalizeH="0">
+          <a:defRPr kumimoji="0" sz="1800" b="0" i="0" u="none" strike="noStrike" cap="none" spc="0" normalizeH="0" baseline="0">
             <a:ln>
               <a:noFill/>
             </a:ln>
@@ -7583,7 +7985,7 @@
           <a:buFontTx/>
           <a:buNone/>
           <a:tabLst/>
-          <a:defRPr b="0" baseline="0" cap="none" i="0" spc="0" strike="noStrike" sz="1800" u="none" kumimoji="0" normalizeH="0">
+          <a:defRPr kumimoji="0" sz="1800" b="0" i="0" u="none" strike="noStrike" cap="none" spc="0" normalizeH="0" baseline="0">
             <a:ln>
               <a:noFill/>
             </a:ln>
@@ -7596,12 +7998,19 @@
         </a:lvl9pPr>
       </a:lstStyle>
       <a:style>
-        <a:lnRef idx="0"/>
-        <a:fillRef idx="0"/>
-        <a:effectRef idx="0"/>
+        <a:lnRef idx="0">
+          <a:scrgbClr r="0" g="0" b="0"/>
+        </a:lnRef>
+        <a:fillRef idx="0">
+          <a:scrgbClr r="0" g="0" b="0"/>
+        </a:fillRef>
+        <a:effectRef idx="0">
+          <a:scrgbClr r="0" g="0" b="0"/>
+        </a:effectRef>
         <a:fontRef idx="none"/>
       </a:style>
     </a:txDef>
   </a:objectDefaults>
+  <a:extraClrSchemeLst/>
 </a:theme>
 </file>